--- a/Angular 8 Day 5 HttpClient, Observables, and Forms.pptx
+++ b/Angular 8 Day 5 HttpClient, Observables, and Forms.pptx
@@ -5,7 +5,7 @@
     <p:sldMasterId id="2147483648" r:id="rId4"/>
   </p:sldMasterIdLst>
   <p:notesMasterIdLst>
-    <p:notesMasterId r:id="rId38"/>
+    <p:notesMasterId r:id="rId39"/>
   </p:notesMasterIdLst>
   <p:sldIdLst>
     <p:sldId id="280" r:id="rId5"/>
@@ -28,19 +28,20 @@
     <p:sldId id="298" r:id="rId22"/>
     <p:sldId id="299" r:id="rId23"/>
     <p:sldId id="300" r:id="rId24"/>
-    <p:sldId id="279" r:id="rId25"/>
-    <p:sldId id="301" r:id="rId26"/>
-    <p:sldId id="302" r:id="rId27"/>
-    <p:sldId id="303" r:id="rId28"/>
-    <p:sldId id="282" r:id="rId29"/>
-    <p:sldId id="304" r:id="rId30"/>
-    <p:sldId id="305" r:id="rId31"/>
-    <p:sldId id="306" r:id="rId32"/>
-    <p:sldId id="275" r:id="rId33"/>
-    <p:sldId id="285" r:id="rId34"/>
-    <p:sldId id="286" r:id="rId35"/>
-    <p:sldId id="287" r:id="rId36"/>
-    <p:sldId id="288" r:id="rId37"/>
+    <p:sldId id="307" r:id="rId25"/>
+    <p:sldId id="279" r:id="rId26"/>
+    <p:sldId id="301" r:id="rId27"/>
+    <p:sldId id="302" r:id="rId28"/>
+    <p:sldId id="303" r:id="rId29"/>
+    <p:sldId id="282" r:id="rId30"/>
+    <p:sldId id="304" r:id="rId31"/>
+    <p:sldId id="305" r:id="rId32"/>
+    <p:sldId id="306" r:id="rId33"/>
+    <p:sldId id="275" r:id="rId34"/>
+    <p:sldId id="285" r:id="rId35"/>
+    <p:sldId id="286" r:id="rId36"/>
+    <p:sldId id="287" r:id="rId37"/>
+    <p:sldId id="288" r:id="rId38"/>
   </p:sldIdLst>
   <p:sldSz cx="12192000" cy="6858000"/>
   <p:notesSz cx="6858000" cy="9144000"/>
@@ -693,7 +694,7 @@
             <a:fld id="{6A8B6E77-EC63-4CD7-8F8A-914122582C5F}" type="slidenum">
               <a:rPr lang="en-US" smtClean="0"/>
               <a:pPr/>
-              <a:t>25</a:t>
+              <a:t>26</a:t>
             </a:fld>
             <a:endParaRPr lang="en-US" dirty="0"/>
           </a:p>
@@ -798,7 +799,7 @@
             <a:fld id="{6A8B6E77-EC63-4CD7-8F8A-914122582C5F}" type="slidenum">
               <a:rPr lang="en-US" smtClean="0"/>
               <a:pPr/>
-              <a:t>26</a:t>
+              <a:t>27</a:t>
             </a:fld>
             <a:endParaRPr lang="en-US" dirty="0"/>
           </a:p>
@@ -903,7 +904,7 @@
             <a:fld id="{6A8B6E77-EC63-4CD7-8F8A-914122582C5F}" type="slidenum">
               <a:rPr lang="en-US" smtClean="0"/>
               <a:pPr/>
-              <a:t>27</a:t>
+              <a:t>28</a:t>
             </a:fld>
             <a:endParaRPr lang="en-US" dirty="0"/>
           </a:p>
@@ -1008,7 +1009,7 @@
             <a:fld id="{6A8B6E77-EC63-4CD7-8F8A-914122582C5F}" type="slidenum">
               <a:rPr lang="en-US" smtClean="0"/>
               <a:pPr/>
-              <a:t>31</a:t>
+              <a:t>32</a:t>
             </a:fld>
             <a:endParaRPr lang="en-US" dirty="0"/>
           </a:p>
@@ -1533,7 +1534,7 @@
             <a:fld id="{6A8B6E77-EC63-4CD7-8F8A-914122582C5F}" type="slidenum">
               <a:rPr lang="en-US" smtClean="0"/>
               <a:pPr/>
-              <a:t>21</a:t>
+              <a:t>22</a:t>
             </a:fld>
             <a:endParaRPr lang="en-US" dirty="0"/>
           </a:p>
@@ -1643,7 +1644,7 @@
             <a:fld id="{6A8B6E77-EC63-4CD7-8F8A-914122582C5F}" type="slidenum">
               <a:rPr lang="en-US" smtClean="0"/>
               <a:pPr/>
-              <a:t>22</a:t>
+              <a:t>23</a:t>
             </a:fld>
             <a:endParaRPr lang="en-US" dirty="0"/>
           </a:p>
@@ -1753,7 +1754,7 @@
             <a:fld id="{6A8B6E77-EC63-4CD7-8F8A-914122582C5F}" type="slidenum">
               <a:rPr lang="en-US" smtClean="0"/>
               <a:pPr/>
-              <a:t>23</a:t>
+              <a:t>24</a:t>
             </a:fld>
             <a:endParaRPr lang="en-US" dirty="0"/>
           </a:p>
@@ -1858,7 +1859,7 @@
             <a:fld id="{6A8B6E77-EC63-4CD7-8F8A-914122582C5F}" type="slidenum">
               <a:rPr lang="en-US" smtClean="0"/>
               <a:pPr/>
-              <a:t>24</a:t>
+              <a:t>25</a:t>
             </a:fld>
             <a:endParaRPr lang="en-US" dirty="0"/>
           </a:p>
@@ -11710,6 +11711,324 @@
       </p:grpSpPr>
       <p:sp>
         <p:nvSpPr>
+          <p:cNvPr id="2" name="Title 1"/>
+          <p:cNvSpPr>
+            <a:spLocks noGrp="1"/>
+          </p:cNvSpPr>
+          <p:nvPr>
+            <p:ph type="title"/>
+          </p:nvPr>
+        </p:nvSpPr>
+        <p:spPr>
+          <a:xfrm>
+            <a:off x="3015791" y="97557"/>
+            <a:ext cx="7023755" cy="453238"/>
+          </a:xfrm>
+        </p:spPr>
+        <p:txBody>
+          <a:bodyPr>
+            <a:normAutofit fontScale="90000"/>
+          </a:bodyPr>
+          <a:lstStyle/>
+          <a:p>
+            <a:r>
+              <a:rPr lang="en-US" dirty="0"/>
+              <a:t>Model Driven Forms (Contd.)</a:t>
+            </a:r>
+          </a:p>
+        </p:txBody>
+      </p:sp>
+      <p:sp>
+        <p:nvSpPr>
+          <p:cNvPr id="7" name="Footer Placeholder 1"/>
+          <p:cNvSpPr>
+            <a:spLocks noGrp="1"/>
+          </p:cNvSpPr>
+          <p:nvPr>
+            <p:ph type="ftr" sz="quarter" idx="11"/>
+          </p:nvPr>
+        </p:nvSpPr>
+        <p:spPr>
+          <a:xfrm>
+            <a:off x="126663" y="6553200"/>
+            <a:ext cx="1371600" cy="228600"/>
+          </a:xfrm>
+        </p:spPr>
+        <p:txBody>
+          <a:bodyPr/>
+          <a:lstStyle/>
+          <a:p>
+            <a:r>
+              <a:rPr lang="en-US" dirty="0"/>
+              <a:t>© Cognizant 2019</a:t>
+            </a:r>
+          </a:p>
+        </p:txBody>
+      </p:sp>
+      <p:sp>
+        <p:nvSpPr>
+          <p:cNvPr id="10" name="Rectangle 9"/>
+          <p:cNvSpPr/>
+          <p:nvPr/>
+        </p:nvSpPr>
+        <p:spPr>
+          <a:xfrm>
+            <a:off x="1733746" y="1159921"/>
+            <a:ext cx="8305800" cy="646331"/>
+          </a:xfrm>
+          <a:prstGeom prst="rect">
+            <a:avLst/>
+          </a:prstGeom>
+        </p:spPr>
+        <p:txBody>
+          <a:bodyPr wrap="square">
+            <a:spAutoFit/>
+          </a:bodyPr>
+          <a:lstStyle/>
+          <a:p>
+            <a:pPr marL="342900" indent="-342900">
+              <a:buFont typeface="Arial" panose="020B0604020202020204" pitchFamily="34" charset="0"/>
+              <a:buChar char="•"/>
+            </a:pPr>
+            <a:r>
+              <a:rPr lang="en-US" dirty="0" err="1">
+                <a:latin typeface="Arial" panose="020B0604020202020204" pitchFamily="34" charset="0"/>
+                <a:cs typeface="Arial" panose="020B0604020202020204" pitchFamily="34" charset="0"/>
+              </a:rPr>
+              <a:t>HttpClient</a:t>
+            </a:r>
+            <a:r>
+              <a:rPr lang="en-US" dirty="0">
+                <a:latin typeface="Arial" panose="020B0604020202020204" pitchFamily="34" charset="0"/>
+                <a:cs typeface="Arial" panose="020B0604020202020204" pitchFamily="34" charset="0"/>
+              </a:rPr>
+              <a:t> POST requests can now receive the object and generate the key/value pair for the post internally.</a:t>
+            </a:r>
+          </a:p>
+        </p:txBody>
+      </p:sp>
+      <p:sp>
+        <p:nvSpPr>
+          <p:cNvPr id="3" name="Slide Number Placeholder 2">
+            <a:extLst>
+              <a:ext uri="{FF2B5EF4-FFF2-40B4-BE49-F238E27FC236}">
+                <a16:creationId xmlns:a16="http://schemas.microsoft.com/office/drawing/2014/main" id="{86AAE5B0-B292-482B-86D7-CF826DDA8B87}"/>
+              </a:ext>
+            </a:extLst>
+          </p:cNvPr>
+          <p:cNvSpPr>
+            <a:spLocks noGrp="1"/>
+          </p:cNvSpPr>
+          <p:nvPr>
+            <p:ph type="sldNum" sz="quarter" idx="12"/>
+          </p:nvPr>
+        </p:nvSpPr>
+        <p:spPr/>
+        <p:txBody>
+          <a:bodyPr/>
+          <a:lstStyle/>
+          <a:p>
+            <a:fld id="{BF7651F3-9913-4C8A-B499-A5DBC92BCE51}" type="slidenum">
+              <a:rPr lang="en-US" smtClean="0"/>
+              <a:t>21</a:t>
+            </a:fld>
+            <a:endParaRPr lang="en-US"/>
+          </a:p>
+        </p:txBody>
+      </p:sp>
+      <p:pic>
+        <p:nvPicPr>
+          <p:cNvPr id="5" name="Picture 4">
+            <a:extLst>
+              <a:ext uri="{FF2B5EF4-FFF2-40B4-BE49-F238E27FC236}">
+                <a16:creationId xmlns:a16="http://schemas.microsoft.com/office/drawing/2014/main" id="{04DE8631-1F8B-5544-B81D-6464CE37180F}"/>
+              </a:ext>
+            </a:extLst>
+          </p:cNvPr>
+          <p:cNvPicPr>
+            <a:picLocks noChangeAspect="1"/>
+          </p:cNvPicPr>
+          <p:nvPr/>
+        </p:nvPicPr>
+        <p:blipFill>
+          <a:blip r:embed="rId2"/>
+          <a:stretch>
+            <a:fillRect/>
+          </a:stretch>
+        </p:blipFill>
+        <p:spPr>
+          <a:xfrm>
+            <a:off x="1855282" y="3666706"/>
+            <a:ext cx="3238500" cy="2425700"/>
+          </a:xfrm>
+          <a:prstGeom prst="rect">
+            <a:avLst/>
+          </a:prstGeom>
+        </p:spPr>
+      </p:pic>
+      <p:pic>
+        <p:nvPicPr>
+          <p:cNvPr id="8" name="Picture 7">
+            <a:extLst>
+              <a:ext uri="{FF2B5EF4-FFF2-40B4-BE49-F238E27FC236}">
+                <a16:creationId xmlns:a16="http://schemas.microsoft.com/office/drawing/2014/main" id="{580E26FD-DB62-324E-A4FF-109F4C4D60F9}"/>
+              </a:ext>
+            </a:extLst>
+          </p:cNvPr>
+          <p:cNvPicPr>
+            <a:picLocks noChangeAspect="1"/>
+          </p:cNvPicPr>
+          <p:nvPr/>
+        </p:nvPicPr>
+        <p:blipFill>
+          <a:blip r:embed="rId3"/>
+          <a:stretch>
+            <a:fillRect/>
+          </a:stretch>
+        </p:blipFill>
+        <p:spPr>
+          <a:xfrm>
+            <a:off x="1008975" y="1913288"/>
+            <a:ext cx="4775200" cy="1524000"/>
+          </a:xfrm>
+          <a:prstGeom prst="rect">
+            <a:avLst/>
+          </a:prstGeom>
+        </p:spPr>
+      </p:pic>
+      <p:pic>
+        <p:nvPicPr>
+          <p:cNvPr id="9" name="Picture 8">
+            <a:extLst>
+              <a:ext uri="{FF2B5EF4-FFF2-40B4-BE49-F238E27FC236}">
+                <a16:creationId xmlns:a16="http://schemas.microsoft.com/office/drawing/2014/main" id="{ACFE05F5-1DCF-504D-A162-8D88FFC5B2D4}"/>
+              </a:ext>
+            </a:extLst>
+          </p:cNvPr>
+          <p:cNvPicPr>
+            <a:picLocks noChangeAspect="1"/>
+          </p:cNvPicPr>
+          <p:nvPr/>
+        </p:nvPicPr>
+        <p:blipFill>
+          <a:blip r:embed="rId4"/>
+          <a:stretch>
+            <a:fillRect/>
+          </a:stretch>
+        </p:blipFill>
+        <p:spPr>
+          <a:xfrm>
+            <a:off x="6527668" y="1880504"/>
+            <a:ext cx="5119809" cy="1890679"/>
+          </a:xfrm>
+          <a:prstGeom prst="rect">
+            <a:avLst/>
+          </a:prstGeom>
+        </p:spPr>
+      </p:pic>
+      <p:pic>
+        <p:nvPicPr>
+          <p:cNvPr id="11" name="Picture 10">
+            <a:extLst>
+              <a:ext uri="{FF2B5EF4-FFF2-40B4-BE49-F238E27FC236}">
+                <a16:creationId xmlns:a16="http://schemas.microsoft.com/office/drawing/2014/main" id="{DE685BB2-4AFF-5948-AD90-1CA80698D24B}"/>
+              </a:ext>
+            </a:extLst>
+          </p:cNvPr>
+          <p:cNvPicPr>
+            <a:picLocks noChangeAspect="1"/>
+          </p:cNvPicPr>
+          <p:nvPr/>
+        </p:nvPicPr>
+        <p:blipFill>
+          <a:blip r:embed="rId5"/>
+          <a:stretch>
+            <a:fillRect/>
+          </a:stretch>
+        </p:blipFill>
+        <p:spPr>
+          <a:xfrm>
+            <a:off x="6527668" y="4346237"/>
+            <a:ext cx="4699000" cy="1358900"/>
+          </a:xfrm>
+          <a:prstGeom prst="rect">
+            <a:avLst/>
+          </a:prstGeom>
+        </p:spPr>
+      </p:pic>
+      <p:sp>
+        <p:nvSpPr>
+          <p:cNvPr id="13" name="Rectangle 12">
+            <a:extLst>
+              <a:ext uri="{FF2B5EF4-FFF2-40B4-BE49-F238E27FC236}">
+                <a16:creationId xmlns:a16="http://schemas.microsoft.com/office/drawing/2014/main" id="{5B39218E-3200-684C-B93F-B7E4F9757E8E}"/>
+              </a:ext>
+            </a:extLst>
+          </p:cNvPr>
+          <p:cNvSpPr/>
+          <p:nvPr/>
+        </p:nvSpPr>
+        <p:spPr>
+          <a:xfrm>
+            <a:off x="6116537" y="5769241"/>
+            <a:ext cx="5679331" cy="646331"/>
+          </a:xfrm>
+          <a:prstGeom prst="rect">
+            <a:avLst/>
+          </a:prstGeom>
+        </p:spPr>
+        <p:txBody>
+          <a:bodyPr wrap="square">
+            <a:spAutoFit/>
+          </a:bodyPr>
+          <a:lstStyle/>
+          <a:p>
+            <a:pPr marL="342900" indent="-342900">
+              <a:buFont typeface="Arial" panose="020B0604020202020204" pitchFamily="34" charset="0"/>
+              <a:buChar char="•"/>
+            </a:pPr>
+            <a:r>
+              <a:rPr lang="en-US" dirty="0">
+                <a:latin typeface="Arial" panose="020B0604020202020204" pitchFamily="34" charset="0"/>
+                <a:cs typeface="Arial" panose="020B0604020202020204" pitchFamily="34" charset="0"/>
+              </a:rPr>
+              <a:t>Most REST endpoints require headers in order to accept posts</a:t>
+            </a:r>
+          </a:p>
+        </p:txBody>
+      </p:sp>
+    </p:spTree>
+    <p:extLst>
+      <p:ext uri="{BB962C8B-B14F-4D97-AF65-F5344CB8AC3E}">
+        <p14:creationId xmlns:p14="http://schemas.microsoft.com/office/powerpoint/2010/main" val="1612191772"/>
+      </p:ext>
+    </p:extLst>
+  </p:cSld>
+  <p:clrMapOvr>
+    <a:masterClrMapping/>
+  </p:clrMapOvr>
+</p:sld>
+</file>
+
+<file path=ppt/slides/slide22.xml><?xml version="1.0" encoding="utf-8"?>
+<p:sld xmlns:a="http://schemas.openxmlformats.org/drawingml/2006/main" xmlns:r="http://schemas.openxmlformats.org/officeDocument/2006/relationships" xmlns:p="http://schemas.openxmlformats.org/presentationml/2006/main">
+  <p:cSld>
+    <p:spTree>
+      <p:nvGrpSpPr>
+        <p:cNvPr id="1" name=""/>
+        <p:cNvGrpSpPr/>
+        <p:nvPr/>
+      </p:nvGrpSpPr>
+      <p:grpSpPr>
+        <a:xfrm>
+          <a:off x="0" y="0"/>
+          <a:ext cx="0" cy="0"/>
+          <a:chOff x="0" y="0"/>
+          <a:chExt cx="0" cy="0"/>
+        </a:xfrm>
+      </p:grpSpPr>
+      <p:sp>
+        <p:nvSpPr>
           <p:cNvPr id="3" name="Title 2"/>
           <p:cNvSpPr>
             <a:spLocks noGrp="1"/>
@@ -12214,7 +12533,7 @@
           <a:p>
             <a:fld id="{BF7651F3-9913-4C8A-B499-A5DBC92BCE51}" type="slidenum">
               <a:rPr lang="en-US" smtClean="0"/>
-              <a:t>21</a:t>
+              <a:t>22</a:t>
             </a:fld>
             <a:endParaRPr lang="en-US"/>
           </a:p>
@@ -12233,7 +12552,7 @@
 </p:sld>
 </file>
 
-<file path=ppt/slides/slide22.xml><?xml version="1.0" encoding="utf-8"?>
+<file path=ppt/slides/slide23.xml><?xml version="1.0" encoding="utf-8"?>
 <p:sld xmlns:a="http://schemas.openxmlformats.org/drawingml/2006/main" xmlns:r="http://schemas.openxmlformats.org/officeDocument/2006/relationships" xmlns:p="http://schemas.openxmlformats.org/presentationml/2006/main">
   <p:cSld>
     <p:spTree>
@@ -12435,7 +12754,7 @@
           <a:p>
             <a:fld id="{BF7651F3-9913-4C8A-B499-A5DBC92BCE51}" type="slidenum">
               <a:rPr lang="en-US" smtClean="0"/>
-              <a:t>22</a:t>
+              <a:t>23</a:t>
             </a:fld>
             <a:endParaRPr lang="en-US"/>
           </a:p>
@@ -12445,174 +12764,6 @@
     <p:extLst>
       <p:ext uri="{BB962C8B-B14F-4D97-AF65-F5344CB8AC3E}">
         <p14:creationId xmlns:p14="http://schemas.microsoft.com/office/powerpoint/2010/main" val="3059227600"/>
-      </p:ext>
-    </p:extLst>
-  </p:cSld>
-  <p:clrMapOvr>
-    <a:masterClrMapping/>
-  </p:clrMapOvr>
-</p:sld>
-</file>
-
-<file path=ppt/slides/slide23.xml><?xml version="1.0" encoding="utf-8"?>
-<p:sld xmlns:a="http://schemas.openxmlformats.org/drawingml/2006/main" xmlns:r="http://schemas.openxmlformats.org/officeDocument/2006/relationships" xmlns:p="http://schemas.openxmlformats.org/presentationml/2006/main">
-  <p:cSld>
-    <p:spTree>
-      <p:nvGrpSpPr>
-        <p:cNvPr id="1" name=""/>
-        <p:cNvGrpSpPr/>
-        <p:nvPr/>
-      </p:nvGrpSpPr>
-      <p:grpSpPr>
-        <a:xfrm>
-          <a:off x="0" y="0"/>
-          <a:ext cx="0" cy="0"/>
-          <a:chOff x="0" y="0"/>
-          <a:chExt cx="0" cy="0"/>
-        </a:xfrm>
-      </p:grpSpPr>
-      <p:sp>
-        <p:nvSpPr>
-          <p:cNvPr id="7" name="Footer Placeholder 1"/>
-          <p:cNvSpPr>
-            <a:spLocks noGrp="1"/>
-          </p:cNvSpPr>
-          <p:nvPr>
-            <p:ph type="ftr" sz="quarter" idx="11"/>
-          </p:nvPr>
-        </p:nvSpPr>
-        <p:spPr>
-          <a:xfrm>
-            <a:off x="154012" y="6356350"/>
-            <a:ext cx="1371600" cy="228600"/>
-          </a:xfrm>
-        </p:spPr>
-        <p:txBody>
-          <a:bodyPr/>
-          <a:lstStyle/>
-          <a:p>
-            <a:r>
-              <a:rPr lang="en-US" dirty="0"/>
-              <a:t>© Cognizant 2019</a:t>
-            </a:r>
-          </a:p>
-        </p:txBody>
-      </p:sp>
-      <p:sp>
-        <p:nvSpPr>
-          <p:cNvPr id="9" name="Title 2"/>
-          <p:cNvSpPr>
-            <a:spLocks noGrp="1"/>
-          </p:cNvSpPr>
-          <p:nvPr>
-            <p:ph type="title"/>
-          </p:nvPr>
-        </p:nvSpPr>
-        <p:spPr>
-          <a:xfrm>
-            <a:off x="2998075" y="0"/>
-            <a:ext cx="9015249" cy="576072"/>
-          </a:xfrm>
-        </p:spPr>
-        <p:txBody>
-          <a:bodyPr anchor="t" anchorCtr="0">
-            <a:normAutofit fontScale="90000"/>
-          </a:bodyPr>
-          <a:lstStyle/>
-          <a:p>
-            <a:r>
-              <a:rPr lang="en-US" dirty="0"/>
-              <a:t>HelloAngular – Posting with MD Forms</a:t>
-            </a:r>
-          </a:p>
-        </p:txBody>
-      </p:sp>
-      <p:sp>
-        <p:nvSpPr>
-          <p:cNvPr id="5" name="TextBox 4"/>
-          <p:cNvSpPr txBox="1"/>
-          <p:nvPr/>
-        </p:nvSpPr>
-        <p:spPr>
-          <a:xfrm>
-            <a:off x="1967397" y="3101499"/>
-            <a:ext cx="1030678" cy="369332"/>
-          </a:xfrm>
-          <a:prstGeom prst="rect">
-            <a:avLst/>
-          </a:prstGeom>
-          <a:noFill/>
-        </p:spPr>
-        <p:txBody>
-          <a:bodyPr wrap="square" rtlCol="0">
-            <a:spAutoFit/>
-          </a:bodyPr>
-          <a:lstStyle/>
-          <a:p>
-            <a:r>
-              <a:rPr lang="en-US" dirty="0"/>
-              <a:t>#2 a -&gt;</a:t>
-            </a:r>
-          </a:p>
-        </p:txBody>
-      </p:sp>
-      <p:pic>
-        <p:nvPicPr>
-          <p:cNvPr id="2" name="Picture 1"/>
-          <p:cNvPicPr>
-            <a:picLocks noChangeAspect="1"/>
-          </p:cNvPicPr>
-          <p:nvPr/>
-        </p:nvPicPr>
-        <p:blipFill>
-          <a:blip r:embed="rId3"/>
-          <a:stretch>
-            <a:fillRect/>
-          </a:stretch>
-        </p:blipFill>
-        <p:spPr>
-          <a:xfrm>
-            <a:off x="3146785" y="720680"/>
-            <a:ext cx="6657091" cy="5635670"/>
-          </a:xfrm>
-          <a:prstGeom prst="rect">
-            <a:avLst/>
-          </a:prstGeom>
-        </p:spPr>
-      </p:pic>
-      <p:sp>
-        <p:nvSpPr>
-          <p:cNvPr id="3" name="Slide Number Placeholder 2">
-            <a:extLst>
-              <a:ext uri="{FF2B5EF4-FFF2-40B4-BE49-F238E27FC236}">
-                <a16:creationId xmlns:a16="http://schemas.microsoft.com/office/drawing/2014/main" id="{976524D6-CF61-4827-97E2-88C9B416E9B2}"/>
-              </a:ext>
-            </a:extLst>
-          </p:cNvPr>
-          <p:cNvSpPr>
-            <a:spLocks noGrp="1"/>
-          </p:cNvSpPr>
-          <p:nvPr>
-            <p:ph type="sldNum" sz="quarter" idx="12"/>
-          </p:nvPr>
-        </p:nvSpPr>
-        <p:spPr/>
-        <p:txBody>
-          <a:bodyPr/>
-          <a:lstStyle/>
-          <a:p>
-            <a:fld id="{BF7651F3-9913-4C8A-B499-A5DBC92BCE51}" type="slidenum">
-              <a:rPr lang="en-US" smtClean="0"/>
-              <a:t>23</a:t>
-            </a:fld>
-            <a:endParaRPr lang="en-US"/>
-          </a:p>
-        </p:txBody>
-      </p:sp>
-    </p:spTree>
-    <p:extLst>
-      <p:ext uri="{BB962C8B-B14F-4D97-AF65-F5344CB8AC3E}">
-        <p14:creationId xmlns:p14="http://schemas.microsoft.com/office/powerpoint/2010/main" val="3524675487"/>
       </p:ext>
     </p:extLst>
   </p:cSld>
@@ -12651,7 +12802,7 @@
         </p:nvSpPr>
         <p:spPr>
           <a:xfrm>
-            <a:off x="0" y="6424612"/>
+            <a:off x="154012" y="6356350"/>
             <a:ext cx="1371600" cy="228600"/>
           </a:xfrm>
         </p:spPr>
@@ -12668,13 +12819,42 @@
       </p:sp>
       <p:sp>
         <p:nvSpPr>
-          <p:cNvPr id="8" name="TextBox 7"/>
+          <p:cNvPr id="9" name="Title 2"/>
+          <p:cNvSpPr>
+            <a:spLocks noGrp="1"/>
+          </p:cNvSpPr>
+          <p:nvPr>
+            <p:ph type="title"/>
+          </p:nvPr>
+        </p:nvSpPr>
+        <p:spPr>
+          <a:xfrm>
+            <a:off x="2998075" y="0"/>
+            <a:ext cx="9015249" cy="576072"/>
+          </a:xfrm>
+        </p:spPr>
+        <p:txBody>
+          <a:bodyPr anchor="t" anchorCtr="0">
+            <a:normAutofit fontScale="90000"/>
+          </a:bodyPr>
+          <a:lstStyle/>
+          <a:p>
+            <a:r>
+              <a:rPr lang="en-US" dirty="0"/>
+              <a:t>HelloAngular – Posting with MD Forms</a:t>
+            </a:r>
+          </a:p>
+        </p:txBody>
+      </p:sp>
+      <p:sp>
+        <p:nvSpPr>
+          <p:cNvPr id="5" name="TextBox 4"/>
           <p:cNvSpPr txBox="1"/>
           <p:nvPr/>
         </p:nvSpPr>
         <p:spPr>
           <a:xfrm>
-            <a:off x="500579" y="3249956"/>
+            <a:off x="1967397" y="3101499"/>
             <a:ext cx="1030678" cy="369332"/>
           </a:xfrm>
           <a:prstGeom prst="rect">
@@ -12690,62 +12870,14 @@
           <a:p>
             <a:r>
               <a:rPr lang="en-US" dirty="0"/>
-              <a:t>#2 b -&gt;</a:t>
-            </a:r>
-          </a:p>
-        </p:txBody>
-      </p:sp>
-      <p:sp>
-        <p:nvSpPr>
-          <p:cNvPr id="10" name="Title 2"/>
-          <p:cNvSpPr txBox="1">
-            <a:spLocks/>
-          </p:cNvSpPr>
-          <p:nvPr/>
-        </p:nvSpPr>
-        <p:spPr>
-          <a:xfrm>
-            <a:off x="2902857" y="0"/>
-            <a:ext cx="9015249" cy="576072"/>
-          </a:xfrm>
-          <a:prstGeom prst="rect">
-            <a:avLst/>
-          </a:prstGeom>
-        </p:spPr>
-        <p:txBody>
-          <a:bodyPr vert="horz" lIns="91440" tIns="45720" rIns="91440" bIns="45720" rtlCol="0" anchor="t" anchorCtr="0">
-            <a:normAutofit fontScale="90000" lnSpcReduction="20000"/>
-          </a:bodyPr>
-          <a:lstStyle>
-            <a:lvl1pPr algn="l" defTabSz="914400" rtl="0" eaLnBrk="1" latinLnBrk="0" hangingPunct="1">
-              <a:lnSpc>
-                <a:spcPct val="90000"/>
-              </a:lnSpc>
-              <a:spcBef>
-                <a:spcPct val="0"/>
-              </a:spcBef>
-              <a:buNone/>
-              <a:defRPr sz="4400" kern="1200">
-                <a:solidFill>
-                  <a:schemeClr val="tx1"/>
-                </a:solidFill>
-                <a:latin typeface="+mj-lt"/>
-                <a:ea typeface="+mj-ea"/>
-                <a:cs typeface="+mj-cs"/>
-              </a:defRPr>
-            </a:lvl1pPr>
-          </a:lstStyle>
-          <a:p>
-            <a:r>
-              <a:rPr lang="en-US" dirty="0"/>
-              <a:t>HelloAngular – Posting with MD Forms</a:t>
+              <a:t>#2 a -&gt;</a:t>
             </a:r>
           </a:p>
         </p:txBody>
       </p:sp>
       <p:pic>
         <p:nvPicPr>
-          <p:cNvPr id="3" name="Picture 2"/>
+          <p:cNvPr id="2" name="Picture 1"/>
           <p:cNvPicPr>
             <a:picLocks noChangeAspect="1"/>
           </p:cNvPicPr>
@@ -12759,8 +12891,8 @@
         </p:blipFill>
         <p:spPr>
           <a:xfrm>
-            <a:off x="2195513" y="752858"/>
-            <a:ext cx="7453312" cy="5671754"/>
+            <a:off x="3146785" y="720680"/>
+            <a:ext cx="6657091" cy="5635670"/>
           </a:xfrm>
           <a:prstGeom prst="rect">
             <a:avLst/>
@@ -12769,10 +12901,10 @@
       </p:pic>
       <p:sp>
         <p:nvSpPr>
-          <p:cNvPr id="2" name="Slide Number Placeholder 1">
+          <p:cNvPr id="3" name="Slide Number Placeholder 2">
             <a:extLst>
               <a:ext uri="{FF2B5EF4-FFF2-40B4-BE49-F238E27FC236}">
-                <a16:creationId xmlns:a16="http://schemas.microsoft.com/office/drawing/2014/main" id="{6CC81426-1939-413D-929F-7848ED70BFCD}"/>
+                <a16:creationId xmlns:a16="http://schemas.microsoft.com/office/drawing/2014/main" id="{976524D6-CF61-4827-97E2-88C9B416E9B2}"/>
               </a:ext>
             </a:extLst>
           </p:cNvPr>
@@ -12799,7 +12931,7 @@
     </p:spTree>
     <p:extLst>
       <p:ext uri="{BB962C8B-B14F-4D97-AF65-F5344CB8AC3E}">
-        <p14:creationId xmlns:p14="http://schemas.microsoft.com/office/powerpoint/2010/main" val="2862690458"/>
+        <p14:creationId xmlns:p14="http://schemas.microsoft.com/office/powerpoint/2010/main" val="3524675487"/>
       </p:ext>
     </p:extLst>
   </p:cSld>
@@ -12838,7 +12970,7 @@
         </p:nvSpPr>
         <p:spPr>
           <a:xfrm>
-            <a:off x="70102" y="6492875"/>
+            <a:off x="0" y="6424612"/>
             <a:ext cx="1371600" cy="228600"/>
           </a:xfrm>
         </p:spPr>
@@ -12861,8 +12993,8 @@
         </p:nvSpPr>
         <p:spPr>
           <a:xfrm>
-            <a:off x="651078" y="2708094"/>
-            <a:ext cx="1252807" cy="369332"/>
+            <a:off x="500579" y="3249956"/>
+            <a:ext cx="1030678" cy="369332"/>
           </a:xfrm>
           <a:prstGeom prst="rect">
             <a:avLst/>
@@ -12877,7 +13009,7 @@
           <a:p>
             <a:r>
               <a:rPr lang="en-US" dirty="0"/>
-              <a:t>#2 c 1-3</a:t>
+              <a:t>#2 b -&gt;</a:t>
             </a:r>
           </a:p>
         </p:txBody>
@@ -12932,7 +13064,7 @@
       </p:sp>
       <p:pic>
         <p:nvPicPr>
-          <p:cNvPr id="2" name="Picture 1"/>
+          <p:cNvPr id="3" name="Picture 2"/>
           <p:cNvPicPr>
             <a:picLocks noChangeAspect="1"/>
           </p:cNvPicPr>
@@ -12946,8 +13078,8 @@
         </p:blipFill>
         <p:spPr>
           <a:xfrm>
-            <a:off x="2108537" y="576072"/>
-            <a:ext cx="8262938" cy="6064294"/>
+            <a:off x="2195513" y="752858"/>
+            <a:ext cx="7453312" cy="5671754"/>
           </a:xfrm>
           <a:prstGeom prst="rect">
             <a:avLst/>
@@ -12956,10 +13088,10 @@
       </p:pic>
       <p:sp>
         <p:nvSpPr>
-          <p:cNvPr id="3" name="Slide Number Placeholder 2">
+          <p:cNvPr id="2" name="Slide Number Placeholder 1">
             <a:extLst>
               <a:ext uri="{FF2B5EF4-FFF2-40B4-BE49-F238E27FC236}">
-                <a16:creationId xmlns:a16="http://schemas.microsoft.com/office/drawing/2014/main" id="{CDA3D33B-47BA-4043-ACDC-44DCA62391D3}"/>
+                <a16:creationId xmlns:a16="http://schemas.microsoft.com/office/drawing/2014/main" id="{6CC81426-1939-413D-929F-7848ED70BFCD}"/>
               </a:ext>
             </a:extLst>
           </p:cNvPr>
@@ -12986,7 +13118,7 @@
     </p:spTree>
     <p:extLst>
       <p:ext uri="{BB962C8B-B14F-4D97-AF65-F5344CB8AC3E}">
-        <p14:creationId xmlns:p14="http://schemas.microsoft.com/office/powerpoint/2010/main" val="3479131428"/>
+        <p14:creationId xmlns:p14="http://schemas.microsoft.com/office/powerpoint/2010/main" val="2862690458"/>
       </p:ext>
     </p:extLst>
   </p:cSld>
@@ -13025,6 +13157,193 @@
         </p:nvSpPr>
         <p:spPr>
           <a:xfrm>
+            <a:off x="70102" y="6492875"/>
+            <a:ext cx="1371600" cy="228600"/>
+          </a:xfrm>
+        </p:spPr>
+        <p:txBody>
+          <a:bodyPr/>
+          <a:lstStyle/>
+          <a:p>
+            <a:r>
+              <a:rPr lang="en-US" dirty="0"/>
+              <a:t>© Cognizant 2019</a:t>
+            </a:r>
+          </a:p>
+        </p:txBody>
+      </p:sp>
+      <p:sp>
+        <p:nvSpPr>
+          <p:cNvPr id="8" name="TextBox 7"/>
+          <p:cNvSpPr txBox="1"/>
+          <p:nvPr/>
+        </p:nvSpPr>
+        <p:spPr>
+          <a:xfrm>
+            <a:off x="651078" y="2708094"/>
+            <a:ext cx="1252807" cy="369332"/>
+          </a:xfrm>
+          <a:prstGeom prst="rect">
+            <a:avLst/>
+          </a:prstGeom>
+          <a:noFill/>
+        </p:spPr>
+        <p:txBody>
+          <a:bodyPr wrap="square" rtlCol="0">
+            <a:spAutoFit/>
+          </a:bodyPr>
+          <a:lstStyle/>
+          <a:p>
+            <a:r>
+              <a:rPr lang="en-US" dirty="0"/>
+              <a:t>#2 c 1-3</a:t>
+            </a:r>
+          </a:p>
+        </p:txBody>
+      </p:sp>
+      <p:sp>
+        <p:nvSpPr>
+          <p:cNvPr id="10" name="Title 2"/>
+          <p:cNvSpPr txBox="1">
+            <a:spLocks/>
+          </p:cNvSpPr>
+          <p:nvPr/>
+        </p:nvSpPr>
+        <p:spPr>
+          <a:xfrm>
+            <a:off x="2902857" y="0"/>
+            <a:ext cx="9015249" cy="576072"/>
+          </a:xfrm>
+          <a:prstGeom prst="rect">
+            <a:avLst/>
+          </a:prstGeom>
+        </p:spPr>
+        <p:txBody>
+          <a:bodyPr vert="horz" lIns="91440" tIns="45720" rIns="91440" bIns="45720" rtlCol="0" anchor="t" anchorCtr="0">
+            <a:normAutofit fontScale="90000" lnSpcReduction="20000"/>
+          </a:bodyPr>
+          <a:lstStyle>
+            <a:lvl1pPr algn="l" defTabSz="914400" rtl="0" eaLnBrk="1" latinLnBrk="0" hangingPunct="1">
+              <a:lnSpc>
+                <a:spcPct val="90000"/>
+              </a:lnSpc>
+              <a:spcBef>
+                <a:spcPct val="0"/>
+              </a:spcBef>
+              <a:buNone/>
+              <a:defRPr sz="4400" kern="1200">
+                <a:solidFill>
+                  <a:schemeClr val="tx1"/>
+                </a:solidFill>
+                <a:latin typeface="+mj-lt"/>
+                <a:ea typeface="+mj-ea"/>
+                <a:cs typeface="+mj-cs"/>
+              </a:defRPr>
+            </a:lvl1pPr>
+          </a:lstStyle>
+          <a:p>
+            <a:r>
+              <a:rPr lang="en-US" dirty="0"/>
+              <a:t>HelloAngular – Posting with MD Forms</a:t>
+            </a:r>
+          </a:p>
+        </p:txBody>
+      </p:sp>
+      <p:pic>
+        <p:nvPicPr>
+          <p:cNvPr id="2" name="Picture 1"/>
+          <p:cNvPicPr>
+            <a:picLocks noChangeAspect="1"/>
+          </p:cNvPicPr>
+          <p:nvPr/>
+        </p:nvPicPr>
+        <p:blipFill>
+          <a:blip r:embed="rId3"/>
+          <a:stretch>
+            <a:fillRect/>
+          </a:stretch>
+        </p:blipFill>
+        <p:spPr>
+          <a:xfrm>
+            <a:off x="2108537" y="576072"/>
+            <a:ext cx="8262938" cy="6064294"/>
+          </a:xfrm>
+          <a:prstGeom prst="rect">
+            <a:avLst/>
+          </a:prstGeom>
+        </p:spPr>
+      </p:pic>
+      <p:sp>
+        <p:nvSpPr>
+          <p:cNvPr id="3" name="Slide Number Placeholder 2">
+            <a:extLst>
+              <a:ext uri="{FF2B5EF4-FFF2-40B4-BE49-F238E27FC236}">
+                <a16:creationId xmlns:a16="http://schemas.microsoft.com/office/drawing/2014/main" id="{CDA3D33B-47BA-4043-ACDC-44DCA62391D3}"/>
+              </a:ext>
+            </a:extLst>
+          </p:cNvPr>
+          <p:cNvSpPr>
+            <a:spLocks noGrp="1"/>
+          </p:cNvSpPr>
+          <p:nvPr>
+            <p:ph type="sldNum" sz="quarter" idx="12"/>
+          </p:nvPr>
+        </p:nvSpPr>
+        <p:spPr/>
+        <p:txBody>
+          <a:bodyPr/>
+          <a:lstStyle/>
+          <a:p>
+            <a:fld id="{BF7651F3-9913-4C8A-B499-A5DBC92BCE51}" type="slidenum">
+              <a:rPr lang="en-US" smtClean="0"/>
+              <a:t>26</a:t>
+            </a:fld>
+            <a:endParaRPr lang="en-US"/>
+          </a:p>
+        </p:txBody>
+      </p:sp>
+    </p:spTree>
+    <p:extLst>
+      <p:ext uri="{BB962C8B-B14F-4D97-AF65-F5344CB8AC3E}">
+        <p14:creationId xmlns:p14="http://schemas.microsoft.com/office/powerpoint/2010/main" val="3479131428"/>
+      </p:ext>
+    </p:extLst>
+  </p:cSld>
+  <p:clrMapOvr>
+    <a:masterClrMapping/>
+  </p:clrMapOvr>
+</p:sld>
+</file>
+
+<file path=ppt/slides/slide27.xml><?xml version="1.0" encoding="utf-8"?>
+<p:sld xmlns:a="http://schemas.openxmlformats.org/drawingml/2006/main" xmlns:r="http://schemas.openxmlformats.org/officeDocument/2006/relationships" xmlns:p="http://schemas.openxmlformats.org/presentationml/2006/main">
+  <p:cSld>
+    <p:spTree>
+      <p:nvGrpSpPr>
+        <p:cNvPr id="1" name=""/>
+        <p:cNvGrpSpPr/>
+        <p:nvPr/>
+      </p:nvGrpSpPr>
+      <p:grpSpPr>
+        <a:xfrm>
+          <a:off x="0" y="0"/>
+          <a:ext cx="0" cy="0"/>
+          <a:chOff x="0" y="0"/>
+          <a:chExt cx="0" cy="0"/>
+        </a:xfrm>
+      </p:grpSpPr>
+      <p:sp>
+        <p:nvSpPr>
+          <p:cNvPr id="7" name="Footer Placeholder 1"/>
+          <p:cNvSpPr>
+            <a:spLocks noGrp="1"/>
+          </p:cNvSpPr>
+          <p:nvPr>
+            <p:ph type="ftr" sz="quarter" idx="11"/>
+          </p:nvPr>
+        </p:nvSpPr>
+        <p:spPr>
+          <a:xfrm>
             <a:off x="145517" y="6424612"/>
             <a:ext cx="1371600" cy="228600"/>
           </a:xfrm>
@@ -13164,7 +13483,7 @@
           <a:p>
             <a:fld id="{BF7651F3-9913-4C8A-B499-A5DBC92BCE51}" type="slidenum">
               <a:rPr lang="en-US" smtClean="0"/>
-              <a:t>26</a:t>
+              <a:t>27</a:t>
             </a:fld>
             <a:endParaRPr lang="en-US"/>
           </a:p>
@@ -13183,7 +13502,7 @@
 </p:sld>
 </file>
 
-<file path=ppt/slides/slide27.xml><?xml version="1.0" encoding="utf-8"?>
+<file path=ppt/slides/slide28.xml><?xml version="1.0" encoding="utf-8"?>
 <p:sld xmlns:a="http://schemas.openxmlformats.org/drawingml/2006/main" xmlns:r="http://schemas.openxmlformats.org/officeDocument/2006/relationships" xmlns:p="http://schemas.openxmlformats.org/presentationml/2006/main">
   <p:cSld>
     <p:spTree>
@@ -13362,7 +13681,7 @@
           <a:p>
             <a:fld id="{BF7651F3-9913-4C8A-B499-A5DBC92BCE51}" type="slidenum">
               <a:rPr lang="en-US" smtClean="0"/>
-              <a:t>27</a:t>
+              <a:t>28</a:t>
             </a:fld>
             <a:endParaRPr lang="en-US"/>
           </a:p>
@@ -13372,663 +13691,6 @@
     <p:extLst>
       <p:ext uri="{BB962C8B-B14F-4D97-AF65-F5344CB8AC3E}">
         <p14:creationId xmlns:p14="http://schemas.microsoft.com/office/powerpoint/2010/main" val="388197101"/>
-      </p:ext>
-    </p:extLst>
-  </p:cSld>
-  <p:clrMapOvr>
-    <a:masterClrMapping/>
-  </p:clrMapOvr>
-</p:sld>
-</file>
-
-<file path=ppt/slides/slide28.xml><?xml version="1.0" encoding="utf-8"?>
-<p:sld xmlns:a="http://schemas.openxmlformats.org/drawingml/2006/main" xmlns:r="http://schemas.openxmlformats.org/officeDocument/2006/relationships" xmlns:p="http://schemas.openxmlformats.org/presentationml/2006/main">
-  <p:cSld>
-    <p:spTree>
-      <p:nvGrpSpPr>
-        <p:cNvPr id="1" name=""/>
-        <p:cNvGrpSpPr/>
-        <p:nvPr/>
-      </p:nvGrpSpPr>
-      <p:grpSpPr>
-        <a:xfrm>
-          <a:off x="0" y="0"/>
-          <a:ext cx="0" cy="0"/>
-          <a:chOff x="0" y="0"/>
-          <a:chExt cx="0" cy="0"/>
-        </a:xfrm>
-      </p:grpSpPr>
-      <p:sp>
-        <p:nvSpPr>
-          <p:cNvPr id="2" name="Title 1"/>
-          <p:cNvSpPr>
-            <a:spLocks noGrp="1"/>
-          </p:cNvSpPr>
-          <p:nvPr>
-            <p:ph type="title"/>
-          </p:nvPr>
-        </p:nvSpPr>
-        <p:spPr>
-          <a:xfrm>
-            <a:off x="3008329" y="-104146"/>
-            <a:ext cx="6175342" cy="837415"/>
-          </a:xfrm>
-        </p:spPr>
-        <p:txBody>
-          <a:bodyPr/>
-          <a:lstStyle/>
-          <a:p>
-            <a:r>
-              <a:rPr lang="en-US" dirty="0"/>
-              <a:t>Form Validation – Built-in</a:t>
-            </a:r>
-          </a:p>
-        </p:txBody>
-      </p:sp>
-      <p:sp>
-        <p:nvSpPr>
-          <p:cNvPr id="4" name="Rectangle 1"/>
-          <p:cNvSpPr>
-            <a:spLocks noChangeArrowheads="1"/>
-          </p:cNvSpPr>
-          <p:nvPr/>
-        </p:nvSpPr>
-        <p:spPr bwMode="auto">
-          <a:xfrm>
-            <a:off x="1828800" y="870734"/>
-            <a:ext cx="8534400" cy="346249"/>
-          </a:xfrm>
-          <a:prstGeom prst="rect">
-            <a:avLst/>
-          </a:prstGeom>
-          <a:noFill/>
-          <a:ln>
-            <a:noFill/>
-          </a:ln>
-          <a:effectLst/>
-          <a:extLst>
-            <a:ext uri="{909E8E84-426E-40DD-AFC4-6F175D3DCCD1}">
-              <a14:hiddenFill xmlns:a14="http://schemas.microsoft.com/office/drawing/2010/main">
-                <a:solidFill>
-                  <a:schemeClr val="accent1"/>
-                </a:solidFill>
-              </a14:hiddenFill>
-            </a:ext>
-            <a:ext uri="{91240B29-F687-4F45-9708-019B960494DF}">
-              <a14:hiddenLine xmlns:a14="http://schemas.microsoft.com/office/drawing/2010/main" w="9525">
-                <a:solidFill>
-                  <a:schemeClr val="tx1"/>
-                </a:solidFill>
-                <a:miter lim="800000"/>
-                <a:headEnd/>
-                <a:tailEnd/>
-              </a14:hiddenLine>
-            </a:ext>
-            <a:ext uri="{AF507438-7753-43E0-B8FC-AC1667EBCBE1}">
-              <a14:hiddenEffects xmlns:a14="http://schemas.microsoft.com/office/drawing/2010/main">
-                <a:effectLst>
-                  <a:outerShdw dist="35921" dir="2700000" algn="ctr" rotWithShape="0">
-                    <a:schemeClr val="bg2"/>
-                  </a:outerShdw>
-                </a:effectLst>
-              </a14:hiddenEffects>
-            </a:ext>
-          </a:extLst>
-        </p:spPr>
-        <p:txBody>
-          <a:bodyPr vert="horz" wrap="square" lIns="68580" tIns="34290" rIns="68580" bIns="34290" numCol="1" anchor="ctr" anchorCtr="0" compatLnSpc="1">
-            <a:prstTxWarp prst="textNoShape">
-              <a:avLst/>
-            </a:prstTxWarp>
-            <a:spAutoFit/>
-          </a:bodyPr>
-          <a:lstStyle/>
-          <a:p>
-            <a:pPr marL="342900" indent="-342900">
-              <a:buFont typeface="Arial" panose="020B0604020202020204" pitchFamily="34" charset="0"/>
-              <a:buChar char="•"/>
-            </a:pPr>
-            <a:r>
-              <a:rPr lang="en-US" dirty="0">
-                <a:latin typeface="Arial" panose="020B0604020202020204" pitchFamily="34" charset="0"/>
-                <a:cs typeface="Arial" panose="020B0604020202020204" pitchFamily="34" charset="0"/>
-              </a:rPr>
-              <a:t>Template-driven forms are validated using HTML5 validators.</a:t>
-            </a:r>
-          </a:p>
-        </p:txBody>
-      </p:sp>
-      <p:sp>
-        <p:nvSpPr>
-          <p:cNvPr id="6" name="TextBox 5"/>
-          <p:cNvSpPr txBox="1"/>
-          <p:nvPr/>
-        </p:nvSpPr>
-        <p:spPr>
-          <a:xfrm>
-            <a:off x="1981200" y="1234858"/>
-            <a:ext cx="8382000" cy="3108543"/>
-          </a:xfrm>
-          <a:prstGeom prst="rect">
-            <a:avLst/>
-          </a:prstGeom>
-          <a:solidFill>
-            <a:schemeClr val="tx1"/>
-          </a:solidFill>
-          <a:ln>
-            <a:noFill/>
-          </a:ln>
-        </p:spPr>
-        <p:txBody>
-          <a:bodyPr wrap="square" rtlCol="0">
-            <a:spAutoFit/>
-          </a:bodyPr>
-          <a:lstStyle/>
-          <a:p>
-            <a:r>
-              <a:rPr lang="en-US" sz="1400" dirty="0">
-                <a:solidFill>
-                  <a:schemeClr val="bg1"/>
-                </a:solidFill>
-                <a:latin typeface="Courier New" panose="02070309020205020404" pitchFamily="49" charset="0"/>
-                <a:cs typeface="Courier New" panose="02070309020205020404" pitchFamily="49" charset="0"/>
-              </a:rPr>
-              <a:t>&lt;!-- a required field --&gt;</a:t>
-            </a:r>
-          </a:p>
-          <a:p>
-            <a:r>
-              <a:rPr lang="en-US" sz="1400" dirty="0">
-                <a:solidFill>
-                  <a:schemeClr val="bg1"/>
-                </a:solidFill>
-                <a:latin typeface="Courier New" panose="02070309020205020404" pitchFamily="49" charset="0"/>
-                <a:cs typeface="Courier New" panose="02070309020205020404" pitchFamily="49" charset="0"/>
-              </a:rPr>
-              <a:t>&lt;input type="text" required&gt;</a:t>
-            </a:r>
-          </a:p>
-          <a:p>
-            <a:endParaRPr lang="en-US" sz="1400" dirty="0">
-              <a:solidFill>
-                <a:schemeClr val="bg1"/>
-              </a:solidFill>
-              <a:latin typeface="Courier New" panose="02070309020205020404" pitchFamily="49" charset="0"/>
-              <a:cs typeface="Courier New" panose="02070309020205020404" pitchFamily="49" charset="0"/>
-            </a:endParaRPr>
-          </a:p>
-          <a:p>
-            <a:r>
-              <a:rPr lang="en-US" sz="1400" dirty="0">
-                <a:solidFill>
-                  <a:schemeClr val="bg1"/>
-                </a:solidFill>
-                <a:latin typeface="Courier New" panose="02070309020205020404" pitchFamily="49" charset="0"/>
-                <a:cs typeface="Courier New" panose="02070309020205020404" pitchFamily="49" charset="0"/>
-              </a:rPr>
-              <a:t>&lt;!-- an optional field of a specific length --&gt;</a:t>
-            </a:r>
-          </a:p>
-          <a:p>
-            <a:r>
-              <a:rPr lang="en-US" sz="1400" dirty="0">
-                <a:solidFill>
-                  <a:schemeClr val="bg1"/>
-                </a:solidFill>
-                <a:latin typeface="Courier New" panose="02070309020205020404" pitchFamily="49" charset="0"/>
-                <a:cs typeface="Courier New" panose="02070309020205020404" pitchFamily="49" charset="0"/>
-              </a:rPr>
-              <a:t>&lt;input type="text" pattern=".{3,8}"&gt;</a:t>
-            </a:r>
-          </a:p>
-          <a:p>
-            <a:endParaRPr lang="en-US" sz="1400" dirty="0">
-              <a:solidFill>
-                <a:schemeClr val="bg1"/>
-              </a:solidFill>
-              <a:latin typeface="Courier New" panose="02070309020205020404" pitchFamily="49" charset="0"/>
-              <a:cs typeface="Courier New" panose="02070309020205020404" pitchFamily="49" charset="0"/>
-            </a:endParaRPr>
-          </a:p>
-          <a:p>
-            <a:r>
-              <a:rPr lang="en-US" sz="1400" dirty="0">
-                <a:solidFill>
-                  <a:schemeClr val="bg1"/>
-                </a:solidFill>
-                <a:latin typeface="Courier New" panose="02070309020205020404" pitchFamily="49" charset="0"/>
-                <a:cs typeface="Courier New" panose="02070309020205020404" pitchFamily="49" charset="0"/>
-              </a:rPr>
-              <a:t>&lt;!-- a non-optional field of specific length --&gt;</a:t>
-            </a:r>
-          </a:p>
-          <a:p>
-            <a:r>
-              <a:rPr lang="en-US" sz="1400" dirty="0">
-                <a:solidFill>
-                  <a:schemeClr val="bg1"/>
-                </a:solidFill>
-                <a:latin typeface="Courier New" panose="02070309020205020404" pitchFamily="49" charset="0"/>
-                <a:cs typeface="Courier New" panose="02070309020205020404" pitchFamily="49" charset="0"/>
-              </a:rPr>
-              <a:t>&lt;input type="text" pattern=".{3,8}" required&gt;</a:t>
-            </a:r>
-          </a:p>
-          <a:p>
-            <a:endParaRPr lang="en-US" sz="1400" dirty="0">
-              <a:solidFill>
-                <a:schemeClr val="bg1"/>
-              </a:solidFill>
-              <a:latin typeface="Courier New" panose="02070309020205020404" pitchFamily="49" charset="0"/>
-              <a:cs typeface="Courier New" panose="02070309020205020404" pitchFamily="49" charset="0"/>
-            </a:endParaRPr>
-          </a:p>
-          <a:p>
-            <a:r>
-              <a:rPr lang="en-US" sz="1400" dirty="0">
-                <a:solidFill>
-                  <a:schemeClr val="bg1"/>
-                </a:solidFill>
-                <a:latin typeface="Courier New" panose="02070309020205020404" pitchFamily="49" charset="0"/>
-                <a:cs typeface="Courier New" panose="02070309020205020404" pitchFamily="49" charset="0"/>
-              </a:rPr>
-              <a:t>&lt;!-- alphanumeric field of specific length --&gt;</a:t>
-            </a:r>
-          </a:p>
-          <a:p>
-            <a:r>
-              <a:rPr lang="en-US" sz="1400" dirty="0">
-                <a:solidFill>
-                  <a:schemeClr val="bg1"/>
-                </a:solidFill>
-                <a:latin typeface="Courier New" panose="02070309020205020404" pitchFamily="49" charset="0"/>
-                <a:cs typeface="Courier New" panose="02070309020205020404" pitchFamily="49" charset="0"/>
-              </a:rPr>
-              <a:t>&lt;input type="text" pattern="[A-Za-z0-9]{0,5}"&gt;</a:t>
-            </a:r>
-          </a:p>
-          <a:p>
-            <a:endParaRPr lang="en-US" sz="1400" dirty="0">
-              <a:solidFill>
-                <a:schemeClr val="bg1"/>
-              </a:solidFill>
-              <a:latin typeface="Courier New" panose="02070309020205020404" pitchFamily="49" charset="0"/>
-              <a:cs typeface="Courier New" panose="02070309020205020404" pitchFamily="49" charset="0"/>
-            </a:endParaRPr>
-          </a:p>
-          <a:p>
-            <a:r>
-              <a:rPr lang="en-US" sz="1400" dirty="0">
-                <a:solidFill>
-                  <a:schemeClr val="bg1"/>
-                </a:solidFill>
-                <a:latin typeface="Courier New" panose="02070309020205020404" pitchFamily="49" charset="0"/>
-                <a:cs typeface="Courier New" panose="02070309020205020404" pitchFamily="49" charset="0"/>
-              </a:rPr>
-              <a:t>&lt;!-- a field which will accept no more than 5 characters --&gt;</a:t>
-            </a:r>
-          </a:p>
-          <a:p>
-            <a:r>
-              <a:rPr lang="en-US" sz="1400" dirty="0">
-                <a:solidFill>
-                  <a:schemeClr val="bg1"/>
-                </a:solidFill>
-                <a:latin typeface="Courier New" panose="02070309020205020404" pitchFamily="49" charset="0"/>
-                <a:cs typeface="Courier New" panose="02070309020205020404" pitchFamily="49" charset="0"/>
-              </a:rPr>
-              <a:t>&lt;input type="text" </a:t>
-            </a:r>
-            <a:r>
-              <a:rPr lang="en-US" sz="1400" dirty="0" err="1">
-                <a:solidFill>
-                  <a:schemeClr val="bg1"/>
-                </a:solidFill>
-                <a:latin typeface="Courier New" panose="02070309020205020404" pitchFamily="49" charset="0"/>
-                <a:cs typeface="Courier New" panose="02070309020205020404" pitchFamily="49" charset="0"/>
-              </a:rPr>
-              <a:t>maxlength</a:t>
-            </a:r>
-            <a:r>
-              <a:rPr lang="en-US" sz="1400" dirty="0">
-                <a:solidFill>
-                  <a:schemeClr val="bg1"/>
-                </a:solidFill>
-                <a:latin typeface="Courier New" panose="02070309020205020404" pitchFamily="49" charset="0"/>
-                <a:cs typeface="Courier New" panose="02070309020205020404" pitchFamily="49" charset="0"/>
-              </a:rPr>
-              <a:t>="5"&gt;</a:t>
-            </a:r>
-          </a:p>
-        </p:txBody>
-      </p:sp>
-      <p:sp>
-        <p:nvSpPr>
-          <p:cNvPr id="7" name="Rectangle 1"/>
-          <p:cNvSpPr>
-            <a:spLocks noChangeArrowheads="1"/>
-          </p:cNvSpPr>
-          <p:nvPr/>
-        </p:nvSpPr>
-        <p:spPr bwMode="auto">
-          <a:xfrm>
-            <a:off x="1828800" y="4375174"/>
-            <a:ext cx="8534400" cy="623248"/>
-          </a:xfrm>
-          <a:prstGeom prst="rect">
-            <a:avLst/>
-          </a:prstGeom>
-          <a:noFill/>
-          <a:ln>
-            <a:noFill/>
-          </a:ln>
-          <a:effectLst/>
-          <a:extLst>
-            <a:ext uri="{909E8E84-426E-40DD-AFC4-6F175D3DCCD1}">
-              <a14:hiddenFill xmlns:a14="http://schemas.microsoft.com/office/drawing/2010/main">
-                <a:solidFill>
-                  <a:schemeClr val="accent1"/>
-                </a:solidFill>
-              </a14:hiddenFill>
-            </a:ext>
-            <a:ext uri="{91240B29-F687-4F45-9708-019B960494DF}">
-              <a14:hiddenLine xmlns:a14="http://schemas.microsoft.com/office/drawing/2010/main" w="9525">
-                <a:solidFill>
-                  <a:schemeClr val="tx1"/>
-                </a:solidFill>
-                <a:miter lim="800000"/>
-                <a:headEnd/>
-                <a:tailEnd/>
-              </a14:hiddenLine>
-            </a:ext>
-            <a:ext uri="{AF507438-7753-43E0-B8FC-AC1667EBCBE1}">
-              <a14:hiddenEffects xmlns:a14="http://schemas.microsoft.com/office/drawing/2010/main">
-                <a:effectLst>
-                  <a:outerShdw dist="35921" dir="2700000" algn="ctr" rotWithShape="0">
-                    <a:schemeClr val="bg2"/>
-                  </a:outerShdw>
-                </a:effectLst>
-              </a14:hiddenEffects>
-            </a:ext>
-          </a:extLst>
-        </p:spPr>
-        <p:txBody>
-          <a:bodyPr vert="horz" wrap="square" lIns="68580" tIns="34290" rIns="68580" bIns="34290" numCol="1" anchor="ctr" anchorCtr="0" compatLnSpc="1">
-            <a:prstTxWarp prst="textNoShape">
-              <a:avLst/>
-            </a:prstTxWarp>
-            <a:spAutoFit/>
-          </a:bodyPr>
-          <a:lstStyle/>
-          <a:p>
-            <a:pPr marL="342900" indent="-342900">
-              <a:buFont typeface="Arial" panose="020B0604020202020204" pitchFamily="34" charset="0"/>
-              <a:buChar char="•"/>
-            </a:pPr>
-            <a:r>
-              <a:rPr lang="en-US" dirty="0">
-                <a:latin typeface="Arial" panose="020B0604020202020204" pitchFamily="34" charset="0"/>
-                <a:cs typeface="Arial" panose="020B0604020202020204" pitchFamily="34" charset="0"/>
-              </a:rPr>
-              <a:t>Model-driven forms can be validated by </a:t>
-            </a:r>
-            <a:r>
-              <a:rPr lang="en-US" dirty="0" err="1">
-                <a:latin typeface="Arial" panose="020B0604020202020204" pitchFamily="34" charset="0"/>
-                <a:cs typeface="Arial" panose="020B0604020202020204" pitchFamily="34" charset="0"/>
-              </a:rPr>
-              <a:t>Angular’s</a:t>
-            </a:r>
-            <a:r>
-              <a:rPr lang="en-US" dirty="0">
-                <a:latin typeface="Arial" panose="020B0604020202020204" pitchFamily="34" charset="0"/>
-                <a:cs typeface="Arial" panose="020B0604020202020204" pitchFamily="34" charset="0"/>
-              </a:rPr>
-              <a:t> in-built validators and take a different route from that of Template-driven forms.</a:t>
-            </a:r>
-          </a:p>
-        </p:txBody>
-      </p:sp>
-      <p:sp>
-        <p:nvSpPr>
-          <p:cNvPr id="8" name="TextBox 7"/>
-          <p:cNvSpPr txBox="1"/>
-          <p:nvPr/>
-        </p:nvSpPr>
-        <p:spPr>
-          <a:xfrm>
-            <a:off x="1981200" y="5030740"/>
-            <a:ext cx="8382000" cy="1384995"/>
-          </a:xfrm>
-          <a:prstGeom prst="rect">
-            <a:avLst/>
-          </a:prstGeom>
-          <a:solidFill>
-            <a:schemeClr val="tx1"/>
-          </a:solidFill>
-          <a:ln>
-            <a:noFill/>
-          </a:ln>
-        </p:spPr>
-        <p:txBody>
-          <a:bodyPr wrap="square" rtlCol="0">
-            <a:spAutoFit/>
-          </a:bodyPr>
-          <a:lstStyle/>
-          <a:p>
-            <a:r>
-              <a:rPr lang="en-US" sz="1400" dirty="0">
-                <a:solidFill>
-                  <a:schemeClr val="bg1"/>
-                </a:solidFill>
-                <a:latin typeface="Courier New" panose="02070309020205020404" pitchFamily="49" charset="0"/>
-                <a:cs typeface="Courier New" panose="02070309020205020404" pitchFamily="49" charset="0"/>
-              </a:rPr>
-              <a:t>export class </a:t>
-            </a:r>
-            <a:r>
-              <a:rPr lang="en-US" sz="1400" dirty="0" err="1">
-                <a:solidFill>
-                  <a:schemeClr val="bg1"/>
-                </a:solidFill>
-                <a:latin typeface="Courier New" panose="02070309020205020404" pitchFamily="49" charset="0"/>
-                <a:cs typeface="Courier New" panose="02070309020205020404" pitchFamily="49" charset="0"/>
-              </a:rPr>
-              <a:t>AppComponent</a:t>
-            </a:r>
-            <a:r>
-              <a:rPr lang="en-US" sz="1400" dirty="0">
-                <a:solidFill>
-                  <a:schemeClr val="bg1"/>
-                </a:solidFill>
-                <a:latin typeface="Courier New" panose="02070309020205020404" pitchFamily="49" charset="0"/>
-                <a:cs typeface="Courier New" panose="02070309020205020404" pitchFamily="49" charset="0"/>
-              </a:rPr>
-              <a:t> {</a:t>
-            </a:r>
-          </a:p>
-          <a:p>
-            <a:r>
-              <a:rPr lang="en-US" sz="1400" dirty="0">
-                <a:solidFill>
-                  <a:schemeClr val="bg1"/>
-                </a:solidFill>
-                <a:latin typeface="Courier New" panose="02070309020205020404" pitchFamily="49" charset="0"/>
-                <a:cs typeface="Courier New" panose="02070309020205020404" pitchFamily="49" charset="0"/>
-              </a:rPr>
-              <a:t>  username = new </a:t>
-            </a:r>
-            <a:r>
-              <a:rPr lang="en-US" sz="1400" dirty="0" err="1">
-                <a:solidFill>
-                  <a:schemeClr val="bg1"/>
-                </a:solidFill>
-                <a:latin typeface="Courier New" panose="02070309020205020404" pitchFamily="49" charset="0"/>
-                <a:cs typeface="Courier New" panose="02070309020205020404" pitchFamily="49" charset="0"/>
-              </a:rPr>
-              <a:t>FormControl</a:t>
-            </a:r>
-            <a:r>
-              <a:rPr lang="en-US" sz="1400" dirty="0">
-                <a:solidFill>
-                  <a:schemeClr val="bg1"/>
-                </a:solidFill>
-                <a:latin typeface="Courier New" panose="02070309020205020404" pitchFamily="49" charset="0"/>
-                <a:cs typeface="Courier New" panose="02070309020205020404" pitchFamily="49" charset="0"/>
-              </a:rPr>
-              <a:t>('', [</a:t>
-            </a:r>
-          </a:p>
-          <a:p>
-            <a:r>
-              <a:rPr lang="en-US" sz="1400" dirty="0">
-                <a:solidFill>
-                  <a:schemeClr val="bg1"/>
-                </a:solidFill>
-                <a:latin typeface="Courier New" panose="02070309020205020404" pitchFamily="49" charset="0"/>
-                <a:cs typeface="Courier New" panose="02070309020205020404" pitchFamily="49" charset="0"/>
-              </a:rPr>
-              <a:t>    </a:t>
-            </a:r>
-            <a:r>
-              <a:rPr lang="en-US" sz="1400" dirty="0" err="1">
-                <a:solidFill>
-                  <a:schemeClr val="bg1"/>
-                </a:solidFill>
-                <a:latin typeface="Courier New" panose="02070309020205020404" pitchFamily="49" charset="0"/>
-                <a:cs typeface="Courier New" panose="02070309020205020404" pitchFamily="49" charset="0"/>
-              </a:rPr>
-              <a:t>Validators.required</a:t>
-            </a:r>
-            <a:r>
-              <a:rPr lang="en-US" sz="1400" dirty="0">
-                <a:solidFill>
-                  <a:schemeClr val="bg1"/>
-                </a:solidFill>
-                <a:latin typeface="Courier New" panose="02070309020205020404" pitchFamily="49" charset="0"/>
-                <a:cs typeface="Courier New" panose="02070309020205020404" pitchFamily="49" charset="0"/>
-              </a:rPr>
-              <a:t>,</a:t>
-            </a:r>
-          </a:p>
-          <a:p>
-            <a:r>
-              <a:rPr lang="en-US" sz="1400" dirty="0">
-                <a:solidFill>
-                  <a:schemeClr val="bg1"/>
-                </a:solidFill>
-                <a:latin typeface="Courier New" panose="02070309020205020404" pitchFamily="49" charset="0"/>
-                <a:cs typeface="Courier New" panose="02070309020205020404" pitchFamily="49" charset="0"/>
-              </a:rPr>
-              <a:t>    </a:t>
-            </a:r>
-            <a:r>
-              <a:rPr lang="en-US" sz="1400" dirty="0" err="1">
-                <a:solidFill>
-                  <a:schemeClr val="bg1"/>
-                </a:solidFill>
-                <a:latin typeface="Courier New" panose="02070309020205020404" pitchFamily="49" charset="0"/>
-                <a:cs typeface="Courier New" panose="02070309020205020404" pitchFamily="49" charset="0"/>
-              </a:rPr>
-              <a:t>Validators.minLength</a:t>
-            </a:r>
-            <a:r>
-              <a:rPr lang="en-US" sz="1400" dirty="0">
-                <a:solidFill>
-                  <a:schemeClr val="bg1"/>
-                </a:solidFill>
-                <a:latin typeface="Courier New" panose="02070309020205020404" pitchFamily="49" charset="0"/>
-                <a:cs typeface="Courier New" panose="02070309020205020404" pitchFamily="49" charset="0"/>
-              </a:rPr>
-              <a:t>(5)</a:t>
-            </a:r>
-          </a:p>
-          <a:p>
-            <a:r>
-              <a:rPr lang="en-US" sz="1400" dirty="0">
-                <a:solidFill>
-                  <a:schemeClr val="bg1"/>
-                </a:solidFill>
-                <a:latin typeface="Courier New" panose="02070309020205020404" pitchFamily="49" charset="0"/>
-                <a:cs typeface="Courier New" panose="02070309020205020404" pitchFamily="49" charset="0"/>
-              </a:rPr>
-              <a:t>  ]);</a:t>
-            </a:r>
-          </a:p>
-          <a:p>
-            <a:r>
-              <a:rPr lang="en-US" sz="1400" dirty="0">
-                <a:solidFill>
-                  <a:schemeClr val="bg1"/>
-                </a:solidFill>
-                <a:latin typeface="Courier New" panose="02070309020205020404" pitchFamily="49" charset="0"/>
-                <a:cs typeface="Courier New" panose="02070309020205020404" pitchFamily="49" charset="0"/>
-              </a:rPr>
-              <a:t>}</a:t>
-            </a:r>
-          </a:p>
-        </p:txBody>
-      </p:sp>
-      <p:sp>
-        <p:nvSpPr>
-          <p:cNvPr id="9" name="Footer Placeholder 1"/>
-          <p:cNvSpPr>
-            <a:spLocks noGrp="1"/>
-          </p:cNvSpPr>
-          <p:nvPr>
-            <p:ph type="ftr" sz="quarter" idx="11"/>
-          </p:nvPr>
-        </p:nvSpPr>
-        <p:spPr>
-          <a:xfrm>
-            <a:off x="192651" y="6407879"/>
-            <a:ext cx="1371600" cy="228600"/>
-          </a:xfrm>
-        </p:spPr>
-        <p:txBody>
-          <a:bodyPr/>
-          <a:lstStyle/>
-          <a:p>
-            <a:r>
-              <a:rPr lang="en-US" dirty="0"/>
-              <a:t>© Cognizant 2019</a:t>
-            </a:r>
-          </a:p>
-        </p:txBody>
-      </p:sp>
-      <p:sp>
-        <p:nvSpPr>
-          <p:cNvPr id="3" name="Slide Number Placeholder 2">
-            <a:extLst>
-              <a:ext uri="{FF2B5EF4-FFF2-40B4-BE49-F238E27FC236}">
-                <a16:creationId xmlns:a16="http://schemas.microsoft.com/office/drawing/2014/main" id="{11369D24-67CE-4CE4-9998-B085F4102D88}"/>
-              </a:ext>
-            </a:extLst>
-          </p:cNvPr>
-          <p:cNvSpPr>
-            <a:spLocks noGrp="1"/>
-          </p:cNvSpPr>
-          <p:nvPr>
-            <p:ph type="sldNum" sz="quarter" idx="12"/>
-          </p:nvPr>
-        </p:nvSpPr>
-        <p:spPr/>
-        <p:txBody>
-          <a:bodyPr/>
-          <a:lstStyle/>
-          <a:p>
-            <a:fld id="{BF7651F3-9913-4C8A-B499-A5DBC92BCE51}" type="slidenum">
-              <a:rPr lang="en-US" smtClean="0"/>
-              <a:t>28</a:t>
-            </a:fld>
-            <a:endParaRPr lang="en-US"/>
-          </a:p>
-        </p:txBody>
-      </p:sp>
-    </p:spTree>
-    <p:extLst>
-      <p:ext uri="{BB962C8B-B14F-4D97-AF65-F5344CB8AC3E}">
-        <p14:creationId xmlns:p14="http://schemas.microsoft.com/office/powerpoint/2010/main" val="4279752310"/>
       </p:ext>
     </p:extLst>
   </p:cSld>
@@ -14067,19 +13729,17 @@
         </p:nvSpPr>
         <p:spPr>
           <a:xfrm>
-            <a:off x="3112023" y="0"/>
-            <a:ext cx="8520653" cy="709531"/>
+            <a:off x="3008329" y="-104146"/>
+            <a:ext cx="6175342" cy="837415"/>
           </a:xfrm>
         </p:spPr>
         <p:txBody>
-          <a:bodyPr>
-            <a:normAutofit fontScale="90000"/>
-          </a:bodyPr>
+          <a:bodyPr/>
           <a:lstStyle/>
           <a:p>
             <a:r>
               <a:rPr lang="en-US" dirty="0"/>
-              <a:t>Form Validation – Model Driven Custom</a:t>
+              <a:t>Form Validation – Built-in</a:t>
             </a:r>
           </a:p>
         </p:txBody>
@@ -14094,8 +13754,8 @@
         </p:nvSpPr>
         <p:spPr bwMode="auto">
           <a:xfrm>
-            <a:off x="1828800" y="1140793"/>
-            <a:ext cx="8534400" cy="1177245"/>
+            <a:off x="1828800" y="870734"/>
+            <a:ext cx="8534400" cy="346249"/>
           </a:xfrm>
           <a:prstGeom prst="rect">
             <a:avLst/>
@@ -14152,34 +13812,211 @@
                 <a:latin typeface="Arial" panose="020B0604020202020204" pitchFamily="34" charset="0"/>
                 <a:cs typeface="Arial" panose="020B0604020202020204" pitchFamily="34" charset="0"/>
               </a:rPr>
-              <a:t>As useful as the built-in validators, it is very useful to be able to include custom validators that suit </a:t>
-            </a:r>
-            <a:r>
-              <a:rPr lang="en-US" dirty="0" err="1">
-                <a:latin typeface="Arial" panose="020B0604020202020204" pitchFamily="34" charset="0"/>
-                <a:cs typeface="Arial" panose="020B0604020202020204" pitchFamily="34" charset="0"/>
-              </a:rPr>
-              <a:t>adhoc</a:t>
-            </a:r>
-            <a:r>
-              <a:rPr lang="en-US" dirty="0">
-                <a:latin typeface="Arial" panose="020B0604020202020204" pitchFamily="34" charset="0"/>
-                <a:cs typeface="Arial" panose="020B0604020202020204" pitchFamily="34" charset="0"/>
-              </a:rPr>
-              <a:t> functional needs. Angular allows just that, with minimal effort.</a:t>
-            </a:r>
-          </a:p>
-          <a:p>
-            <a:pPr marL="342900" indent="-342900">
-              <a:buFont typeface="Arial" panose="020B0604020202020204" pitchFamily="34" charset="0"/>
-              <a:buChar char="•"/>
-            </a:pPr>
-            <a:r>
-              <a:rPr lang="en-US" dirty="0">
-                <a:latin typeface="Arial" panose="020B0604020202020204" pitchFamily="34" charset="0"/>
-                <a:cs typeface="Arial" panose="020B0604020202020204" pitchFamily="34" charset="0"/>
-              </a:rPr>
-              <a:t>To use custom validators, define the validation function in the component.</a:t>
+              <a:t>Template-driven forms are validated using HTML5 validators.</a:t>
+            </a:r>
+          </a:p>
+        </p:txBody>
+      </p:sp>
+      <p:sp>
+        <p:nvSpPr>
+          <p:cNvPr id="6" name="TextBox 5"/>
+          <p:cNvSpPr txBox="1"/>
+          <p:nvPr/>
+        </p:nvSpPr>
+        <p:spPr>
+          <a:xfrm>
+            <a:off x="1981200" y="1234858"/>
+            <a:ext cx="8382000" cy="3108543"/>
+          </a:xfrm>
+          <a:prstGeom prst="rect">
+            <a:avLst/>
+          </a:prstGeom>
+          <a:solidFill>
+            <a:schemeClr val="tx1"/>
+          </a:solidFill>
+          <a:ln>
+            <a:noFill/>
+          </a:ln>
+        </p:spPr>
+        <p:txBody>
+          <a:bodyPr wrap="square" rtlCol="0">
+            <a:spAutoFit/>
+          </a:bodyPr>
+          <a:lstStyle/>
+          <a:p>
+            <a:r>
+              <a:rPr lang="en-US" sz="1400" dirty="0">
+                <a:solidFill>
+                  <a:schemeClr val="bg1"/>
+                </a:solidFill>
+                <a:latin typeface="Courier New" panose="02070309020205020404" pitchFamily="49" charset="0"/>
+                <a:cs typeface="Courier New" panose="02070309020205020404" pitchFamily="49" charset="0"/>
+              </a:rPr>
+              <a:t>&lt;!-- a required field --&gt;</a:t>
+            </a:r>
+          </a:p>
+          <a:p>
+            <a:r>
+              <a:rPr lang="en-US" sz="1400" dirty="0">
+                <a:solidFill>
+                  <a:schemeClr val="bg1"/>
+                </a:solidFill>
+                <a:latin typeface="Courier New" panose="02070309020205020404" pitchFamily="49" charset="0"/>
+                <a:cs typeface="Courier New" panose="02070309020205020404" pitchFamily="49" charset="0"/>
+              </a:rPr>
+              <a:t>&lt;input type="text" required&gt;</a:t>
+            </a:r>
+          </a:p>
+          <a:p>
+            <a:endParaRPr lang="en-US" sz="1400" dirty="0">
+              <a:solidFill>
+                <a:schemeClr val="bg1"/>
+              </a:solidFill>
+              <a:latin typeface="Courier New" panose="02070309020205020404" pitchFamily="49" charset="0"/>
+              <a:cs typeface="Courier New" panose="02070309020205020404" pitchFamily="49" charset="0"/>
+            </a:endParaRPr>
+          </a:p>
+          <a:p>
+            <a:r>
+              <a:rPr lang="en-US" sz="1400" dirty="0">
+                <a:solidFill>
+                  <a:schemeClr val="bg1"/>
+                </a:solidFill>
+                <a:latin typeface="Courier New" panose="02070309020205020404" pitchFamily="49" charset="0"/>
+                <a:cs typeface="Courier New" panose="02070309020205020404" pitchFamily="49" charset="0"/>
+              </a:rPr>
+              <a:t>&lt;!-- an optional field of a specific length --&gt;</a:t>
+            </a:r>
+          </a:p>
+          <a:p>
+            <a:r>
+              <a:rPr lang="en-US" sz="1400" dirty="0">
+                <a:solidFill>
+                  <a:schemeClr val="bg1"/>
+                </a:solidFill>
+                <a:latin typeface="Courier New" panose="02070309020205020404" pitchFamily="49" charset="0"/>
+                <a:cs typeface="Courier New" panose="02070309020205020404" pitchFamily="49" charset="0"/>
+              </a:rPr>
+              <a:t>&lt;input type="text" pattern=".{3,8}"&gt;</a:t>
+            </a:r>
+          </a:p>
+          <a:p>
+            <a:endParaRPr lang="en-US" sz="1400" dirty="0">
+              <a:solidFill>
+                <a:schemeClr val="bg1"/>
+              </a:solidFill>
+              <a:latin typeface="Courier New" panose="02070309020205020404" pitchFamily="49" charset="0"/>
+              <a:cs typeface="Courier New" panose="02070309020205020404" pitchFamily="49" charset="0"/>
+            </a:endParaRPr>
+          </a:p>
+          <a:p>
+            <a:r>
+              <a:rPr lang="en-US" sz="1400" dirty="0">
+                <a:solidFill>
+                  <a:schemeClr val="bg1"/>
+                </a:solidFill>
+                <a:latin typeface="Courier New" panose="02070309020205020404" pitchFamily="49" charset="0"/>
+                <a:cs typeface="Courier New" panose="02070309020205020404" pitchFamily="49" charset="0"/>
+              </a:rPr>
+              <a:t>&lt;!-- a non-optional field of specific length --&gt;</a:t>
+            </a:r>
+          </a:p>
+          <a:p>
+            <a:r>
+              <a:rPr lang="en-US" sz="1400" dirty="0">
+                <a:solidFill>
+                  <a:schemeClr val="bg1"/>
+                </a:solidFill>
+                <a:latin typeface="Courier New" panose="02070309020205020404" pitchFamily="49" charset="0"/>
+                <a:cs typeface="Courier New" panose="02070309020205020404" pitchFamily="49" charset="0"/>
+              </a:rPr>
+              <a:t>&lt;input type="text" pattern=".{3,8}" required&gt;</a:t>
+            </a:r>
+          </a:p>
+          <a:p>
+            <a:endParaRPr lang="en-US" sz="1400" dirty="0">
+              <a:solidFill>
+                <a:schemeClr val="bg1"/>
+              </a:solidFill>
+              <a:latin typeface="Courier New" panose="02070309020205020404" pitchFamily="49" charset="0"/>
+              <a:cs typeface="Courier New" panose="02070309020205020404" pitchFamily="49" charset="0"/>
+            </a:endParaRPr>
+          </a:p>
+          <a:p>
+            <a:r>
+              <a:rPr lang="en-US" sz="1400" dirty="0">
+                <a:solidFill>
+                  <a:schemeClr val="bg1"/>
+                </a:solidFill>
+                <a:latin typeface="Courier New" panose="02070309020205020404" pitchFamily="49" charset="0"/>
+                <a:cs typeface="Courier New" panose="02070309020205020404" pitchFamily="49" charset="0"/>
+              </a:rPr>
+              <a:t>&lt;!-- alphanumeric field of specific length --&gt;</a:t>
+            </a:r>
+          </a:p>
+          <a:p>
+            <a:r>
+              <a:rPr lang="en-US" sz="1400" dirty="0">
+                <a:solidFill>
+                  <a:schemeClr val="bg1"/>
+                </a:solidFill>
+                <a:latin typeface="Courier New" panose="02070309020205020404" pitchFamily="49" charset="0"/>
+                <a:cs typeface="Courier New" panose="02070309020205020404" pitchFamily="49" charset="0"/>
+              </a:rPr>
+              <a:t>&lt;input type="text" pattern="[A-Za-z0-9]{0,5}"&gt;</a:t>
+            </a:r>
+          </a:p>
+          <a:p>
+            <a:endParaRPr lang="en-US" sz="1400" dirty="0">
+              <a:solidFill>
+                <a:schemeClr val="bg1"/>
+              </a:solidFill>
+              <a:latin typeface="Courier New" panose="02070309020205020404" pitchFamily="49" charset="0"/>
+              <a:cs typeface="Courier New" panose="02070309020205020404" pitchFamily="49" charset="0"/>
+            </a:endParaRPr>
+          </a:p>
+          <a:p>
+            <a:r>
+              <a:rPr lang="en-US" sz="1400" dirty="0">
+                <a:solidFill>
+                  <a:schemeClr val="bg1"/>
+                </a:solidFill>
+                <a:latin typeface="Courier New" panose="02070309020205020404" pitchFamily="49" charset="0"/>
+                <a:cs typeface="Courier New" panose="02070309020205020404" pitchFamily="49" charset="0"/>
+              </a:rPr>
+              <a:t>&lt;!-- a field which will accept no more than 5 characters --&gt;</a:t>
+            </a:r>
+          </a:p>
+          <a:p>
+            <a:r>
+              <a:rPr lang="en-US" sz="1400" dirty="0">
+                <a:solidFill>
+                  <a:schemeClr val="bg1"/>
+                </a:solidFill>
+                <a:latin typeface="Courier New" panose="02070309020205020404" pitchFamily="49" charset="0"/>
+                <a:cs typeface="Courier New" panose="02070309020205020404" pitchFamily="49" charset="0"/>
+              </a:rPr>
+              <a:t>&lt;input type="text" </a:t>
+            </a:r>
+            <a:r>
+              <a:rPr lang="en-US" sz="1400" dirty="0" err="1">
+                <a:solidFill>
+                  <a:schemeClr val="bg1"/>
+                </a:solidFill>
+                <a:latin typeface="Courier New" panose="02070309020205020404" pitchFamily="49" charset="0"/>
+                <a:cs typeface="Courier New" panose="02070309020205020404" pitchFamily="49" charset="0"/>
+              </a:rPr>
+              <a:t>maxlength</a:t>
+            </a:r>
+            <a:r>
+              <a:rPr lang="en-US" sz="1400" dirty="0">
+                <a:solidFill>
+                  <a:schemeClr val="bg1"/>
+                </a:solidFill>
+                <a:latin typeface="Courier New" panose="02070309020205020404" pitchFamily="49" charset="0"/>
+                <a:cs typeface="Courier New" panose="02070309020205020404" pitchFamily="49" charset="0"/>
+              </a:rPr>
+              <a:t>="5"&gt;</a:t>
             </a:r>
           </a:p>
         </p:txBody>
@@ -14194,8 +14031,8 @@
         </p:nvSpPr>
         <p:spPr bwMode="auto">
           <a:xfrm>
-            <a:off x="1828800" y="4398132"/>
-            <a:ext cx="8534400" cy="346249"/>
+            <a:off x="1828800" y="4375174"/>
+            <a:ext cx="8534400" cy="623248"/>
           </a:xfrm>
           <a:prstGeom prst="rect">
             <a:avLst/>
@@ -14252,7 +14089,21 @@
                 <a:latin typeface="Arial" panose="020B0604020202020204" pitchFamily="34" charset="0"/>
                 <a:cs typeface="Arial" panose="020B0604020202020204" pitchFamily="34" charset="0"/>
               </a:rPr>
-              <a:t>Registering the validator for a field</a:t>
+              <a:t>Model-driven forms can be validated by </a:t>
+            </a:r>
+            <a:r>
+              <a:rPr lang="en-US" dirty="0" err="1">
+                <a:latin typeface="Arial" panose="020B0604020202020204" pitchFamily="34" charset="0"/>
+                <a:cs typeface="Arial" panose="020B0604020202020204" pitchFamily="34" charset="0"/>
+              </a:rPr>
+              <a:t>Angular’s</a:t>
+            </a:r>
+            <a:r>
+              <a:rPr lang="en-US" dirty="0">
+                <a:latin typeface="Arial" panose="020B0604020202020204" pitchFamily="34" charset="0"/>
+                <a:cs typeface="Arial" panose="020B0604020202020204" pitchFamily="34" charset="0"/>
+              </a:rPr>
+              <a:t> in-built validators and take a different route from that of Template-driven forms.</a:t>
             </a:r>
           </a:p>
         </p:txBody>
@@ -14265,8 +14116,8 @@
         </p:nvSpPr>
         <p:spPr>
           <a:xfrm>
-            <a:off x="1981200" y="4989494"/>
-            <a:ext cx="8382000" cy="954107"/>
+            <a:off x="1981200" y="5030740"/>
+            <a:ext cx="8382000" cy="1384995"/>
           </a:xfrm>
           <a:prstGeom prst="rect">
             <a:avLst/>
@@ -14292,7 +14143,7 @@
                 <a:latin typeface="Courier New" panose="02070309020205020404" pitchFamily="49" charset="0"/>
                 <a:cs typeface="Courier New" panose="02070309020205020404" pitchFamily="49" charset="0"/>
               </a:rPr>
-              <a:t>password = new </a:t>
+              <a:t>export class </a:t>
             </a:r>
             <a:r>
               <a:rPr lang="en-US" sz="1400" dirty="0" err="1">
@@ -14302,6 +14153,38 @@
                 <a:latin typeface="Courier New" panose="02070309020205020404" pitchFamily="49" charset="0"/>
                 <a:cs typeface="Courier New" panose="02070309020205020404" pitchFamily="49" charset="0"/>
               </a:rPr>
+              <a:t>AppComponent</a:t>
+            </a:r>
+            <a:r>
+              <a:rPr lang="en-US" sz="1400" dirty="0">
+                <a:solidFill>
+                  <a:schemeClr val="bg1"/>
+                </a:solidFill>
+                <a:latin typeface="Courier New" panose="02070309020205020404" pitchFamily="49" charset="0"/>
+                <a:cs typeface="Courier New" panose="02070309020205020404" pitchFamily="49" charset="0"/>
+              </a:rPr>
+              <a:t> {</a:t>
+            </a:r>
+          </a:p>
+          <a:p>
+            <a:r>
+              <a:rPr lang="en-US" sz="1400" dirty="0">
+                <a:solidFill>
+                  <a:schemeClr val="bg1"/>
+                </a:solidFill>
+                <a:latin typeface="Courier New" panose="02070309020205020404" pitchFamily="49" charset="0"/>
+                <a:cs typeface="Courier New" panose="02070309020205020404" pitchFamily="49" charset="0"/>
+              </a:rPr>
+              <a:t>  username = new </a:t>
+            </a:r>
+            <a:r>
+              <a:rPr lang="en-US" sz="1400" dirty="0" err="1">
+                <a:solidFill>
+                  <a:schemeClr val="bg1"/>
+                </a:solidFill>
+                <a:latin typeface="Courier New" panose="02070309020205020404" pitchFamily="49" charset="0"/>
+                <a:cs typeface="Courier New" panose="02070309020205020404" pitchFamily="49" charset="0"/>
+              </a:rPr>
               <a:t>FormControl</a:t>
             </a:r>
             <a:r>
@@ -14324,7 +14207,7 @@
                 <a:latin typeface="Courier New" panose="02070309020205020404" pitchFamily="49" charset="0"/>
                 <a:cs typeface="Courier New" panose="02070309020205020404" pitchFamily="49" charset="0"/>
               </a:rPr>
-              <a:t>  </a:t>
+              <a:t>    </a:t>
             </a:r>
             <a:r>
               <a:rPr lang="en-US" sz="1400" dirty="0" err="1">
@@ -14356,7 +14239,7 @@
                 <a:latin typeface="Courier New" panose="02070309020205020404" pitchFamily="49" charset="0"/>
                 <a:cs typeface="Courier New" panose="02070309020205020404" pitchFamily="49" charset="0"/>
               </a:rPr>
-              <a:t>  </a:t>
+              <a:t>    </a:t>
             </a:r>
             <a:r>
               <a:rPr lang="en-US" sz="1400" dirty="0" err="1">
@@ -14366,7 +14249,7 @@
                 <a:latin typeface="Courier New" panose="02070309020205020404" pitchFamily="49" charset="0"/>
                 <a:cs typeface="Courier New" panose="02070309020205020404" pitchFamily="49" charset="0"/>
               </a:rPr>
-              <a:t>hasPunctuation</a:t>
+              <a:t>Validators.minLength</a:t>
             </a:r>
             <a:r>
               <a:rPr lang="en-US" sz="1400" dirty="0">
@@ -14376,18 +14259,10 @@
                 <a:latin typeface="Courier New" panose="02070309020205020404" pitchFamily="49" charset="0"/>
                 <a:cs typeface="Courier New" panose="02070309020205020404" pitchFamily="49" charset="0"/>
               </a:rPr>
-              <a:t>('&amp;', '</a:t>
-            </a:r>
-            <a:r>
-              <a:rPr lang="en-US" sz="1400" dirty="0" err="1">
-                <a:solidFill>
-                  <a:schemeClr val="bg1"/>
-                </a:solidFill>
-                <a:latin typeface="Courier New" panose="02070309020205020404" pitchFamily="49" charset="0"/>
-                <a:cs typeface="Courier New" panose="02070309020205020404" pitchFamily="49" charset="0"/>
-              </a:rPr>
-              <a:t>ampersandRequired</a:t>
-            </a:r>
+              <a:t>(5)</a:t>
+            </a:r>
+          </a:p>
+          <a:p>
             <a:r>
               <a:rPr lang="en-US" sz="1400" dirty="0">
                 <a:solidFill>
@@ -14396,7 +14271,7 @@
                 <a:latin typeface="Courier New" panose="02070309020205020404" pitchFamily="49" charset="0"/>
                 <a:cs typeface="Courier New" panose="02070309020205020404" pitchFamily="49" charset="0"/>
               </a:rPr>
-              <a:t>‘)</a:t>
+              <a:t>  ]);</a:t>
             </a:r>
           </a:p>
           <a:p>
@@ -14408,236 +14283,24 @@
                 <a:latin typeface="Courier New" panose="02070309020205020404" pitchFamily="49" charset="0"/>
                 <a:cs typeface="Courier New" panose="02070309020205020404" pitchFamily="49" charset="0"/>
               </a:rPr>
-              <a:t>]);</a:t>
-            </a:r>
-          </a:p>
-        </p:txBody>
-      </p:sp>
-      <p:sp>
-        <p:nvSpPr>
-          <p:cNvPr id="9" name="TextBox 8"/>
-          <p:cNvSpPr txBox="1"/>
-          <p:nvPr/>
+              <a:t>}</a:t>
+            </a:r>
+          </a:p>
+        </p:txBody>
+      </p:sp>
+      <p:sp>
+        <p:nvSpPr>
+          <p:cNvPr id="9" name="Footer Placeholder 1"/>
+          <p:cNvSpPr>
+            <a:spLocks noGrp="1"/>
+          </p:cNvSpPr>
+          <p:nvPr>
+            <p:ph type="ftr" sz="quarter" idx="11"/>
+          </p:nvPr>
         </p:nvSpPr>
         <p:spPr>
           <a:xfrm>
-            <a:off x="1981200" y="2552582"/>
-            <a:ext cx="8382000" cy="1600438"/>
-          </a:xfrm>
-          <a:prstGeom prst="rect">
-            <a:avLst/>
-          </a:prstGeom>
-          <a:solidFill>
-            <a:schemeClr val="tx1"/>
-          </a:solidFill>
-          <a:ln>
-            <a:noFill/>
-          </a:ln>
-        </p:spPr>
-        <p:txBody>
-          <a:bodyPr wrap="square" rtlCol="0">
-            <a:spAutoFit/>
-          </a:bodyPr>
-          <a:lstStyle/>
-          <a:p>
-            <a:r>
-              <a:rPr lang="en-US" sz="1400" dirty="0">
-                <a:solidFill>
-                  <a:schemeClr val="bg1"/>
-                </a:solidFill>
-                <a:latin typeface="Courier New" panose="02070309020205020404" pitchFamily="49" charset="0"/>
-                <a:cs typeface="Courier New" panose="02070309020205020404" pitchFamily="49" charset="0"/>
-              </a:rPr>
-              <a:t>function </a:t>
-            </a:r>
-            <a:r>
-              <a:rPr lang="en-US" sz="1400" dirty="0" err="1">
-                <a:solidFill>
-                  <a:schemeClr val="bg1"/>
-                </a:solidFill>
-                <a:latin typeface="Courier New" panose="02070309020205020404" pitchFamily="49" charset="0"/>
-                <a:cs typeface="Courier New" panose="02070309020205020404" pitchFamily="49" charset="0"/>
-              </a:rPr>
-              <a:t>hasPunctuation</a:t>
-            </a:r>
-            <a:r>
-              <a:rPr lang="en-US" sz="1400" dirty="0">
-                <a:solidFill>
-                  <a:schemeClr val="bg1"/>
-                </a:solidFill>
-                <a:latin typeface="Courier New" panose="02070309020205020404" pitchFamily="49" charset="0"/>
-                <a:cs typeface="Courier New" panose="02070309020205020404" pitchFamily="49" charset="0"/>
-              </a:rPr>
-              <a:t>(punctuation: string, </a:t>
-            </a:r>
-            <a:r>
-              <a:rPr lang="en-US" sz="1400" dirty="0" err="1">
-                <a:solidFill>
-                  <a:schemeClr val="bg1"/>
-                </a:solidFill>
-                <a:latin typeface="Courier New" panose="02070309020205020404" pitchFamily="49" charset="0"/>
-                <a:cs typeface="Courier New" panose="02070309020205020404" pitchFamily="49" charset="0"/>
-              </a:rPr>
-              <a:t>errorType</a:t>
-            </a:r>
-            <a:r>
-              <a:rPr lang="en-US" sz="1400" dirty="0">
-                <a:solidFill>
-                  <a:schemeClr val="bg1"/>
-                </a:solidFill>
-                <a:latin typeface="Courier New" panose="02070309020205020404" pitchFamily="49" charset="0"/>
-                <a:cs typeface="Courier New" panose="02070309020205020404" pitchFamily="49" charset="0"/>
-              </a:rPr>
-              <a:t>: string) {</a:t>
-            </a:r>
-          </a:p>
-          <a:p>
-            <a:r>
-              <a:rPr lang="en-US" sz="1400" dirty="0">
-                <a:solidFill>
-                  <a:schemeClr val="bg1"/>
-                </a:solidFill>
-                <a:latin typeface="Courier New" panose="02070309020205020404" pitchFamily="49" charset="0"/>
-                <a:cs typeface="Courier New" panose="02070309020205020404" pitchFamily="49" charset="0"/>
-              </a:rPr>
-              <a:t>  return function(input: </a:t>
-            </a:r>
-            <a:r>
-              <a:rPr lang="en-US" sz="1400" dirty="0" err="1">
-                <a:solidFill>
-                  <a:schemeClr val="bg1"/>
-                </a:solidFill>
-                <a:latin typeface="Courier New" panose="02070309020205020404" pitchFamily="49" charset="0"/>
-                <a:cs typeface="Courier New" panose="02070309020205020404" pitchFamily="49" charset="0"/>
-              </a:rPr>
-              <a:t>FormControl</a:t>
-            </a:r>
-            <a:r>
-              <a:rPr lang="en-US" sz="1400" dirty="0">
-                <a:solidFill>
-                  <a:schemeClr val="bg1"/>
-                </a:solidFill>
-                <a:latin typeface="Courier New" panose="02070309020205020404" pitchFamily="49" charset="0"/>
-                <a:cs typeface="Courier New" panose="02070309020205020404" pitchFamily="49" charset="0"/>
-              </a:rPr>
-              <a:t>) {</a:t>
-            </a:r>
-          </a:p>
-          <a:p>
-            <a:r>
-              <a:rPr lang="en-US" sz="1400" dirty="0">
-                <a:solidFill>
-                  <a:schemeClr val="bg1"/>
-                </a:solidFill>
-                <a:latin typeface="Courier New" panose="02070309020205020404" pitchFamily="49" charset="0"/>
-                <a:cs typeface="Courier New" panose="02070309020205020404" pitchFamily="49" charset="0"/>
-              </a:rPr>
-              <a:t>    return </a:t>
-            </a:r>
-            <a:r>
-              <a:rPr lang="en-US" sz="1400" dirty="0" err="1">
-                <a:solidFill>
-                  <a:schemeClr val="bg1"/>
-                </a:solidFill>
-                <a:latin typeface="Courier New" panose="02070309020205020404" pitchFamily="49" charset="0"/>
-                <a:cs typeface="Courier New" panose="02070309020205020404" pitchFamily="49" charset="0"/>
-              </a:rPr>
-              <a:t>input.value.indexOf</a:t>
-            </a:r>
-            <a:r>
-              <a:rPr lang="en-US" sz="1400" dirty="0">
-                <a:solidFill>
-                  <a:schemeClr val="bg1"/>
-                </a:solidFill>
-                <a:latin typeface="Courier New" panose="02070309020205020404" pitchFamily="49" charset="0"/>
-                <a:cs typeface="Courier New" panose="02070309020205020404" pitchFamily="49" charset="0"/>
-              </a:rPr>
-              <a:t>(punctuation) &gt;= 0 ?</a:t>
-            </a:r>
-          </a:p>
-          <a:p>
-            <a:r>
-              <a:rPr lang="en-US" sz="1400" dirty="0">
-                <a:solidFill>
-                  <a:schemeClr val="bg1"/>
-                </a:solidFill>
-                <a:latin typeface="Courier New" panose="02070309020205020404" pitchFamily="49" charset="0"/>
-                <a:cs typeface="Courier New" panose="02070309020205020404" pitchFamily="49" charset="0"/>
-              </a:rPr>
-              <a:t>        null :</a:t>
-            </a:r>
-          </a:p>
-          <a:p>
-            <a:r>
-              <a:rPr lang="en-US" sz="1400" dirty="0">
-                <a:solidFill>
-                  <a:schemeClr val="bg1"/>
-                </a:solidFill>
-                <a:latin typeface="Courier New" panose="02070309020205020404" pitchFamily="49" charset="0"/>
-                <a:cs typeface="Courier New" panose="02070309020205020404" pitchFamily="49" charset="0"/>
-              </a:rPr>
-              <a:t>        { [</a:t>
-            </a:r>
-            <a:r>
-              <a:rPr lang="en-US" sz="1400" dirty="0" err="1">
-                <a:solidFill>
-                  <a:schemeClr val="bg1"/>
-                </a:solidFill>
-                <a:latin typeface="Courier New" panose="02070309020205020404" pitchFamily="49" charset="0"/>
-                <a:cs typeface="Courier New" panose="02070309020205020404" pitchFamily="49" charset="0"/>
-              </a:rPr>
-              <a:t>errorType</a:t>
-            </a:r>
-            <a:r>
-              <a:rPr lang="en-US" sz="1400" dirty="0">
-                <a:solidFill>
-                  <a:schemeClr val="bg1"/>
-                </a:solidFill>
-                <a:latin typeface="Courier New" panose="02070309020205020404" pitchFamily="49" charset="0"/>
-                <a:cs typeface="Courier New" panose="02070309020205020404" pitchFamily="49" charset="0"/>
-              </a:rPr>
-              <a:t>]: true };</a:t>
-            </a:r>
-          </a:p>
-          <a:p>
-            <a:r>
-              <a:rPr lang="en-US" sz="1400" dirty="0">
-                <a:solidFill>
-                  <a:schemeClr val="bg1"/>
-                </a:solidFill>
-                <a:latin typeface="Courier New" panose="02070309020205020404" pitchFamily="49" charset="0"/>
-                <a:cs typeface="Courier New" panose="02070309020205020404" pitchFamily="49" charset="0"/>
-              </a:rPr>
-              <a:t>  };</a:t>
-            </a:r>
-          </a:p>
-          <a:p>
-            <a:r>
-              <a:rPr lang="en-US" sz="1400" dirty="0">
-                <a:solidFill>
-                  <a:schemeClr val="bg1"/>
-                </a:solidFill>
-                <a:latin typeface="Courier New" panose="02070309020205020404" pitchFamily="49" charset="0"/>
-                <a:cs typeface="Courier New" panose="02070309020205020404" pitchFamily="49" charset="0"/>
-              </a:rPr>
-              <a:t>}</a:t>
-            </a:r>
-          </a:p>
-        </p:txBody>
-      </p:sp>
-      <p:sp>
-        <p:nvSpPr>
-          <p:cNvPr id="10" name="Footer Placeholder 1"/>
-          <p:cNvSpPr>
-            <a:spLocks noGrp="1"/>
-          </p:cNvSpPr>
-          <p:nvPr>
-            <p:ph type="ftr" sz="quarter" idx="11"/>
-          </p:nvPr>
-        </p:nvSpPr>
-        <p:spPr>
-          <a:xfrm>
-            <a:off x="70102" y="6468752"/>
+            <a:off x="192651" y="6407879"/>
             <a:ext cx="1371600" cy="228600"/>
           </a:xfrm>
         </p:spPr>
@@ -14657,7 +14320,7 @@
           <p:cNvPr id="3" name="Slide Number Placeholder 2">
             <a:extLst>
               <a:ext uri="{FF2B5EF4-FFF2-40B4-BE49-F238E27FC236}">
-                <a16:creationId xmlns:a16="http://schemas.microsoft.com/office/drawing/2014/main" id="{F022661B-DD76-4607-8841-ACDE2E64A4F1}"/>
+                <a16:creationId xmlns:a16="http://schemas.microsoft.com/office/drawing/2014/main" id="{11369D24-67CE-4CE4-9998-B085F4102D88}"/>
               </a:ext>
             </a:extLst>
           </p:cNvPr>
@@ -14684,7 +14347,7 @@
     </p:spTree>
     <p:extLst>
       <p:ext uri="{BB962C8B-B14F-4D97-AF65-F5344CB8AC3E}">
-        <p14:creationId xmlns:p14="http://schemas.microsoft.com/office/powerpoint/2010/main" val="224836199"/>
+        <p14:creationId xmlns:p14="http://schemas.microsoft.com/office/powerpoint/2010/main" val="4279752310"/>
       </p:ext>
     </p:extLst>
   </p:cSld>
@@ -14996,6 +14659,662 @@
 </file>
 
 <file path=ppt/slides/slide30.xml><?xml version="1.0" encoding="utf-8"?>
+<p:sld xmlns:a="http://schemas.openxmlformats.org/drawingml/2006/main" xmlns:r="http://schemas.openxmlformats.org/officeDocument/2006/relationships" xmlns:p="http://schemas.openxmlformats.org/presentationml/2006/main">
+  <p:cSld>
+    <p:spTree>
+      <p:nvGrpSpPr>
+        <p:cNvPr id="1" name=""/>
+        <p:cNvGrpSpPr/>
+        <p:nvPr/>
+      </p:nvGrpSpPr>
+      <p:grpSpPr>
+        <a:xfrm>
+          <a:off x="0" y="0"/>
+          <a:ext cx="0" cy="0"/>
+          <a:chOff x="0" y="0"/>
+          <a:chExt cx="0" cy="0"/>
+        </a:xfrm>
+      </p:grpSpPr>
+      <p:sp>
+        <p:nvSpPr>
+          <p:cNvPr id="2" name="Title 1"/>
+          <p:cNvSpPr>
+            <a:spLocks noGrp="1"/>
+          </p:cNvSpPr>
+          <p:nvPr>
+            <p:ph type="title"/>
+          </p:nvPr>
+        </p:nvSpPr>
+        <p:spPr>
+          <a:xfrm>
+            <a:off x="3112023" y="0"/>
+            <a:ext cx="8520653" cy="709531"/>
+          </a:xfrm>
+        </p:spPr>
+        <p:txBody>
+          <a:bodyPr>
+            <a:normAutofit fontScale="90000"/>
+          </a:bodyPr>
+          <a:lstStyle/>
+          <a:p>
+            <a:r>
+              <a:rPr lang="en-US" dirty="0"/>
+              <a:t>Form Validation – Model Driven Custom</a:t>
+            </a:r>
+          </a:p>
+        </p:txBody>
+      </p:sp>
+      <p:sp>
+        <p:nvSpPr>
+          <p:cNvPr id="4" name="Rectangle 1"/>
+          <p:cNvSpPr>
+            <a:spLocks noChangeArrowheads="1"/>
+          </p:cNvSpPr>
+          <p:nvPr/>
+        </p:nvSpPr>
+        <p:spPr bwMode="auto">
+          <a:xfrm>
+            <a:off x="1828800" y="1140793"/>
+            <a:ext cx="8534400" cy="1177245"/>
+          </a:xfrm>
+          <a:prstGeom prst="rect">
+            <a:avLst/>
+          </a:prstGeom>
+          <a:noFill/>
+          <a:ln>
+            <a:noFill/>
+          </a:ln>
+          <a:effectLst/>
+          <a:extLst>
+            <a:ext uri="{909E8E84-426E-40DD-AFC4-6F175D3DCCD1}">
+              <a14:hiddenFill xmlns:a14="http://schemas.microsoft.com/office/drawing/2010/main">
+                <a:solidFill>
+                  <a:schemeClr val="accent1"/>
+                </a:solidFill>
+              </a14:hiddenFill>
+            </a:ext>
+            <a:ext uri="{91240B29-F687-4F45-9708-019B960494DF}">
+              <a14:hiddenLine xmlns:a14="http://schemas.microsoft.com/office/drawing/2010/main" w="9525">
+                <a:solidFill>
+                  <a:schemeClr val="tx1"/>
+                </a:solidFill>
+                <a:miter lim="800000"/>
+                <a:headEnd/>
+                <a:tailEnd/>
+              </a14:hiddenLine>
+            </a:ext>
+            <a:ext uri="{AF507438-7753-43E0-B8FC-AC1667EBCBE1}">
+              <a14:hiddenEffects xmlns:a14="http://schemas.microsoft.com/office/drawing/2010/main">
+                <a:effectLst>
+                  <a:outerShdw dist="35921" dir="2700000" algn="ctr" rotWithShape="0">
+                    <a:schemeClr val="bg2"/>
+                  </a:outerShdw>
+                </a:effectLst>
+              </a14:hiddenEffects>
+            </a:ext>
+          </a:extLst>
+        </p:spPr>
+        <p:txBody>
+          <a:bodyPr vert="horz" wrap="square" lIns="68580" tIns="34290" rIns="68580" bIns="34290" numCol="1" anchor="ctr" anchorCtr="0" compatLnSpc="1">
+            <a:prstTxWarp prst="textNoShape">
+              <a:avLst/>
+            </a:prstTxWarp>
+            <a:spAutoFit/>
+          </a:bodyPr>
+          <a:lstStyle/>
+          <a:p>
+            <a:pPr marL="342900" indent="-342900">
+              <a:buFont typeface="Arial" panose="020B0604020202020204" pitchFamily="34" charset="0"/>
+              <a:buChar char="•"/>
+            </a:pPr>
+            <a:r>
+              <a:rPr lang="en-US" dirty="0">
+                <a:latin typeface="Arial" panose="020B0604020202020204" pitchFamily="34" charset="0"/>
+                <a:cs typeface="Arial" panose="020B0604020202020204" pitchFamily="34" charset="0"/>
+              </a:rPr>
+              <a:t>As useful as the built-in validators, it is very useful to be able to include custom validators that suit </a:t>
+            </a:r>
+            <a:r>
+              <a:rPr lang="en-US" dirty="0" err="1">
+                <a:latin typeface="Arial" panose="020B0604020202020204" pitchFamily="34" charset="0"/>
+                <a:cs typeface="Arial" panose="020B0604020202020204" pitchFamily="34" charset="0"/>
+              </a:rPr>
+              <a:t>adhoc</a:t>
+            </a:r>
+            <a:r>
+              <a:rPr lang="en-US" dirty="0">
+                <a:latin typeface="Arial" panose="020B0604020202020204" pitchFamily="34" charset="0"/>
+                <a:cs typeface="Arial" panose="020B0604020202020204" pitchFamily="34" charset="0"/>
+              </a:rPr>
+              <a:t> functional needs. Angular allows just that, with minimal effort.</a:t>
+            </a:r>
+          </a:p>
+          <a:p>
+            <a:pPr marL="342900" indent="-342900">
+              <a:buFont typeface="Arial" panose="020B0604020202020204" pitchFamily="34" charset="0"/>
+              <a:buChar char="•"/>
+            </a:pPr>
+            <a:r>
+              <a:rPr lang="en-US" dirty="0">
+                <a:latin typeface="Arial" panose="020B0604020202020204" pitchFamily="34" charset="0"/>
+                <a:cs typeface="Arial" panose="020B0604020202020204" pitchFamily="34" charset="0"/>
+              </a:rPr>
+              <a:t>To use custom validators, define the validation function in the component.</a:t>
+            </a:r>
+          </a:p>
+        </p:txBody>
+      </p:sp>
+      <p:sp>
+        <p:nvSpPr>
+          <p:cNvPr id="7" name="Rectangle 1"/>
+          <p:cNvSpPr>
+            <a:spLocks noChangeArrowheads="1"/>
+          </p:cNvSpPr>
+          <p:nvPr/>
+        </p:nvSpPr>
+        <p:spPr bwMode="auto">
+          <a:xfrm>
+            <a:off x="1828800" y="4398132"/>
+            <a:ext cx="8534400" cy="346249"/>
+          </a:xfrm>
+          <a:prstGeom prst="rect">
+            <a:avLst/>
+          </a:prstGeom>
+          <a:noFill/>
+          <a:ln>
+            <a:noFill/>
+          </a:ln>
+          <a:effectLst/>
+          <a:extLst>
+            <a:ext uri="{909E8E84-426E-40DD-AFC4-6F175D3DCCD1}">
+              <a14:hiddenFill xmlns:a14="http://schemas.microsoft.com/office/drawing/2010/main">
+                <a:solidFill>
+                  <a:schemeClr val="accent1"/>
+                </a:solidFill>
+              </a14:hiddenFill>
+            </a:ext>
+            <a:ext uri="{91240B29-F687-4F45-9708-019B960494DF}">
+              <a14:hiddenLine xmlns:a14="http://schemas.microsoft.com/office/drawing/2010/main" w="9525">
+                <a:solidFill>
+                  <a:schemeClr val="tx1"/>
+                </a:solidFill>
+                <a:miter lim="800000"/>
+                <a:headEnd/>
+                <a:tailEnd/>
+              </a14:hiddenLine>
+            </a:ext>
+            <a:ext uri="{AF507438-7753-43E0-B8FC-AC1667EBCBE1}">
+              <a14:hiddenEffects xmlns:a14="http://schemas.microsoft.com/office/drawing/2010/main">
+                <a:effectLst>
+                  <a:outerShdw dist="35921" dir="2700000" algn="ctr" rotWithShape="0">
+                    <a:schemeClr val="bg2"/>
+                  </a:outerShdw>
+                </a:effectLst>
+              </a14:hiddenEffects>
+            </a:ext>
+          </a:extLst>
+        </p:spPr>
+        <p:txBody>
+          <a:bodyPr vert="horz" wrap="square" lIns="68580" tIns="34290" rIns="68580" bIns="34290" numCol="1" anchor="ctr" anchorCtr="0" compatLnSpc="1">
+            <a:prstTxWarp prst="textNoShape">
+              <a:avLst/>
+            </a:prstTxWarp>
+            <a:spAutoFit/>
+          </a:bodyPr>
+          <a:lstStyle/>
+          <a:p>
+            <a:pPr marL="342900" indent="-342900">
+              <a:buFont typeface="Arial" panose="020B0604020202020204" pitchFamily="34" charset="0"/>
+              <a:buChar char="•"/>
+            </a:pPr>
+            <a:r>
+              <a:rPr lang="en-US" dirty="0">
+                <a:latin typeface="Arial" panose="020B0604020202020204" pitchFamily="34" charset="0"/>
+                <a:cs typeface="Arial" panose="020B0604020202020204" pitchFamily="34" charset="0"/>
+              </a:rPr>
+              <a:t>Registering the validator for a field</a:t>
+            </a:r>
+          </a:p>
+        </p:txBody>
+      </p:sp>
+      <p:sp>
+        <p:nvSpPr>
+          <p:cNvPr id="8" name="TextBox 7"/>
+          <p:cNvSpPr txBox="1"/>
+          <p:nvPr/>
+        </p:nvSpPr>
+        <p:spPr>
+          <a:xfrm>
+            <a:off x="1981200" y="4989494"/>
+            <a:ext cx="8382000" cy="954107"/>
+          </a:xfrm>
+          <a:prstGeom prst="rect">
+            <a:avLst/>
+          </a:prstGeom>
+          <a:solidFill>
+            <a:schemeClr val="tx1"/>
+          </a:solidFill>
+          <a:ln>
+            <a:noFill/>
+          </a:ln>
+        </p:spPr>
+        <p:txBody>
+          <a:bodyPr wrap="square" rtlCol="0">
+            <a:spAutoFit/>
+          </a:bodyPr>
+          <a:lstStyle/>
+          <a:p>
+            <a:r>
+              <a:rPr lang="en-US" sz="1400" dirty="0">
+                <a:solidFill>
+                  <a:schemeClr val="bg1"/>
+                </a:solidFill>
+                <a:latin typeface="Courier New" panose="02070309020205020404" pitchFamily="49" charset="0"/>
+                <a:cs typeface="Courier New" panose="02070309020205020404" pitchFamily="49" charset="0"/>
+              </a:rPr>
+              <a:t>password = new </a:t>
+            </a:r>
+            <a:r>
+              <a:rPr lang="en-US" sz="1400" dirty="0" err="1">
+                <a:solidFill>
+                  <a:schemeClr val="bg1"/>
+                </a:solidFill>
+                <a:latin typeface="Courier New" panose="02070309020205020404" pitchFamily="49" charset="0"/>
+                <a:cs typeface="Courier New" panose="02070309020205020404" pitchFamily="49" charset="0"/>
+              </a:rPr>
+              <a:t>FormControl</a:t>
+            </a:r>
+            <a:r>
+              <a:rPr lang="en-US" sz="1400" dirty="0">
+                <a:solidFill>
+                  <a:schemeClr val="bg1"/>
+                </a:solidFill>
+                <a:latin typeface="Courier New" panose="02070309020205020404" pitchFamily="49" charset="0"/>
+                <a:cs typeface="Courier New" panose="02070309020205020404" pitchFamily="49" charset="0"/>
+              </a:rPr>
+              <a:t>('', [</a:t>
+            </a:r>
+          </a:p>
+          <a:p>
+            <a:r>
+              <a:rPr lang="en-US" sz="1400" dirty="0">
+                <a:solidFill>
+                  <a:schemeClr val="bg1"/>
+                </a:solidFill>
+                <a:latin typeface="Courier New" panose="02070309020205020404" pitchFamily="49" charset="0"/>
+                <a:cs typeface="Courier New" panose="02070309020205020404" pitchFamily="49" charset="0"/>
+              </a:rPr>
+              <a:t>  </a:t>
+            </a:r>
+            <a:r>
+              <a:rPr lang="en-US" sz="1400" dirty="0" err="1">
+                <a:solidFill>
+                  <a:schemeClr val="bg1"/>
+                </a:solidFill>
+                <a:latin typeface="Courier New" panose="02070309020205020404" pitchFamily="49" charset="0"/>
+                <a:cs typeface="Courier New" panose="02070309020205020404" pitchFamily="49" charset="0"/>
+              </a:rPr>
+              <a:t>Validators.required</a:t>
+            </a:r>
+            <a:r>
+              <a:rPr lang="en-US" sz="1400" dirty="0">
+                <a:solidFill>
+                  <a:schemeClr val="bg1"/>
+                </a:solidFill>
+                <a:latin typeface="Courier New" panose="02070309020205020404" pitchFamily="49" charset="0"/>
+                <a:cs typeface="Courier New" panose="02070309020205020404" pitchFamily="49" charset="0"/>
+              </a:rPr>
+              <a:t>,</a:t>
+            </a:r>
+          </a:p>
+          <a:p>
+            <a:r>
+              <a:rPr lang="en-US" sz="1400" dirty="0">
+                <a:solidFill>
+                  <a:schemeClr val="bg1"/>
+                </a:solidFill>
+                <a:latin typeface="Courier New" panose="02070309020205020404" pitchFamily="49" charset="0"/>
+                <a:cs typeface="Courier New" panose="02070309020205020404" pitchFamily="49" charset="0"/>
+              </a:rPr>
+              <a:t>  </a:t>
+            </a:r>
+            <a:r>
+              <a:rPr lang="en-US" sz="1400" dirty="0" err="1">
+                <a:solidFill>
+                  <a:schemeClr val="bg1"/>
+                </a:solidFill>
+                <a:latin typeface="Courier New" panose="02070309020205020404" pitchFamily="49" charset="0"/>
+                <a:cs typeface="Courier New" panose="02070309020205020404" pitchFamily="49" charset="0"/>
+              </a:rPr>
+              <a:t>hasPunctuation</a:t>
+            </a:r>
+            <a:r>
+              <a:rPr lang="en-US" sz="1400" dirty="0">
+                <a:solidFill>
+                  <a:schemeClr val="bg1"/>
+                </a:solidFill>
+                <a:latin typeface="Courier New" panose="02070309020205020404" pitchFamily="49" charset="0"/>
+                <a:cs typeface="Courier New" panose="02070309020205020404" pitchFamily="49" charset="0"/>
+              </a:rPr>
+              <a:t>('&amp;', '</a:t>
+            </a:r>
+            <a:r>
+              <a:rPr lang="en-US" sz="1400" dirty="0" err="1">
+                <a:solidFill>
+                  <a:schemeClr val="bg1"/>
+                </a:solidFill>
+                <a:latin typeface="Courier New" panose="02070309020205020404" pitchFamily="49" charset="0"/>
+                <a:cs typeface="Courier New" panose="02070309020205020404" pitchFamily="49" charset="0"/>
+              </a:rPr>
+              <a:t>ampersandRequired</a:t>
+            </a:r>
+            <a:r>
+              <a:rPr lang="en-US" sz="1400" dirty="0">
+                <a:solidFill>
+                  <a:schemeClr val="bg1"/>
+                </a:solidFill>
+                <a:latin typeface="Courier New" panose="02070309020205020404" pitchFamily="49" charset="0"/>
+                <a:cs typeface="Courier New" panose="02070309020205020404" pitchFamily="49" charset="0"/>
+              </a:rPr>
+              <a:t>‘)</a:t>
+            </a:r>
+          </a:p>
+          <a:p>
+            <a:r>
+              <a:rPr lang="en-US" sz="1400" dirty="0">
+                <a:solidFill>
+                  <a:schemeClr val="bg1"/>
+                </a:solidFill>
+                <a:latin typeface="Courier New" panose="02070309020205020404" pitchFamily="49" charset="0"/>
+                <a:cs typeface="Courier New" panose="02070309020205020404" pitchFamily="49" charset="0"/>
+              </a:rPr>
+              <a:t>]);</a:t>
+            </a:r>
+          </a:p>
+        </p:txBody>
+      </p:sp>
+      <p:sp>
+        <p:nvSpPr>
+          <p:cNvPr id="9" name="TextBox 8"/>
+          <p:cNvSpPr txBox="1"/>
+          <p:nvPr/>
+        </p:nvSpPr>
+        <p:spPr>
+          <a:xfrm>
+            <a:off x="1981200" y="2552582"/>
+            <a:ext cx="8382000" cy="1600438"/>
+          </a:xfrm>
+          <a:prstGeom prst="rect">
+            <a:avLst/>
+          </a:prstGeom>
+          <a:solidFill>
+            <a:schemeClr val="tx1"/>
+          </a:solidFill>
+          <a:ln>
+            <a:noFill/>
+          </a:ln>
+        </p:spPr>
+        <p:txBody>
+          <a:bodyPr wrap="square" rtlCol="0">
+            <a:spAutoFit/>
+          </a:bodyPr>
+          <a:lstStyle/>
+          <a:p>
+            <a:r>
+              <a:rPr lang="en-US" sz="1400" dirty="0">
+                <a:solidFill>
+                  <a:schemeClr val="bg1"/>
+                </a:solidFill>
+                <a:latin typeface="Courier New" panose="02070309020205020404" pitchFamily="49" charset="0"/>
+                <a:cs typeface="Courier New" panose="02070309020205020404" pitchFamily="49" charset="0"/>
+              </a:rPr>
+              <a:t>function </a:t>
+            </a:r>
+            <a:r>
+              <a:rPr lang="en-US" sz="1400" dirty="0" err="1">
+                <a:solidFill>
+                  <a:schemeClr val="bg1"/>
+                </a:solidFill>
+                <a:latin typeface="Courier New" panose="02070309020205020404" pitchFamily="49" charset="0"/>
+                <a:cs typeface="Courier New" panose="02070309020205020404" pitchFamily="49" charset="0"/>
+              </a:rPr>
+              <a:t>hasPunctuation</a:t>
+            </a:r>
+            <a:r>
+              <a:rPr lang="en-US" sz="1400" dirty="0">
+                <a:solidFill>
+                  <a:schemeClr val="bg1"/>
+                </a:solidFill>
+                <a:latin typeface="Courier New" panose="02070309020205020404" pitchFamily="49" charset="0"/>
+                <a:cs typeface="Courier New" panose="02070309020205020404" pitchFamily="49" charset="0"/>
+              </a:rPr>
+              <a:t>(punctuation: string, </a:t>
+            </a:r>
+            <a:r>
+              <a:rPr lang="en-US" sz="1400" dirty="0" err="1">
+                <a:solidFill>
+                  <a:schemeClr val="bg1"/>
+                </a:solidFill>
+                <a:latin typeface="Courier New" panose="02070309020205020404" pitchFamily="49" charset="0"/>
+                <a:cs typeface="Courier New" panose="02070309020205020404" pitchFamily="49" charset="0"/>
+              </a:rPr>
+              <a:t>errorType</a:t>
+            </a:r>
+            <a:r>
+              <a:rPr lang="en-US" sz="1400" dirty="0">
+                <a:solidFill>
+                  <a:schemeClr val="bg1"/>
+                </a:solidFill>
+                <a:latin typeface="Courier New" panose="02070309020205020404" pitchFamily="49" charset="0"/>
+                <a:cs typeface="Courier New" panose="02070309020205020404" pitchFamily="49" charset="0"/>
+              </a:rPr>
+              <a:t>: string) {</a:t>
+            </a:r>
+          </a:p>
+          <a:p>
+            <a:r>
+              <a:rPr lang="en-US" sz="1400" dirty="0">
+                <a:solidFill>
+                  <a:schemeClr val="bg1"/>
+                </a:solidFill>
+                <a:latin typeface="Courier New" panose="02070309020205020404" pitchFamily="49" charset="0"/>
+                <a:cs typeface="Courier New" panose="02070309020205020404" pitchFamily="49" charset="0"/>
+              </a:rPr>
+              <a:t>  return function(input: </a:t>
+            </a:r>
+            <a:r>
+              <a:rPr lang="en-US" sz="1400" dirty="0" err="1">
+                <a:solidFill>
+                  <a:schemeClr val="bg1"/>
+                </a:solidFill>
+                <a:latin typeface="Courier New" panose="02070309020205020404" pitchFamily="49" charset="0"/>
+                <a:cs typeface="Courier New" panose="02070309020205020404" pitchFamily="49" charset="0"/>
+              </a:rPr>
+              <a:t>FormControl</a:t>
+            </a:r>
+            <a:r>
+              <a:rPr lang="en-US" sz="1400" dirty="0">
+                <a:solidFill>
+                  <a:schemeClr val="bg1"/>
+                </a:solidFill>
+                <a:latin typeface="Courier New" panose="02070309020205020404" pitchFamily="49" charset="0"/>
+                <a:cs typeface="Courier New" panose="02070309020205020404" pitchFamily="49" charset="0"/>
+              </a:rPr>
+              <a:t>) {</a:t>
+            </a:r>
+          </a:p>
+          <a:p>
+            <a:r>
+              <a:rPr lang="en-US" sz="1400" dirty="0">
+                <a:solidFill>
+                  <a:schemeClr val="bg1"/>
+                </a:solidFill>
+                <a:latin typeface="Courier New" panose="02070309020205020404" pitchFamily="49" charset="0"/>
+                <a:cs typeface="Courier New" panose="02070309020205020404" pitchFamily="49" charset="0"/>
+              </a:rPr>
+              <a:t>    return </a:t>
+            </a:r>
+            <a:r>
+              <a:rPr lang="en-US" sz="1400" dirty="0" err="1">
+                <a:solidFill>
+                  <a:schemeClr val="bg1"/>
+                </a:solidFill>
+                <a:latin typeface="Courier New" panose="02070309020205020404" pitchFamily="49" charset="0"/>
+                <a:cs typeface="Courier New" panose="02070309020205020404" pitchFamily="49" charset="0"/>
+              </a:rPr>
+              <a:t>input.value.indexOf</a:t>
+            </a:r>
+            <a:r>
+              <a:rPr lang="en-US" sz="1400" dirty="0">
+                <a:solidFill>
+                  <a:schemeClr val="bg1"/>
+                </a:solidFill>
+                <a:latin typeface="Courier New" panose="02070309020205020404" pitchFamily="49" charset="0"/>
+                <a:cs typeface="Courier New" panose="02070309020205020404" pitchFamily="49" charset="0"/>
+              </a:rPr>
+              <a:t>(punctuation) &gt;= 0 ?</a:t>
+            </a:r>
+          </a:p>
+          <a:p>
+            <a:r>
+              <a:rPr lang="en-US" sz="1400" dirty="0">
+                <a:solidFill>
+                  <a:schemeClr val="bg1"/>
+                </a:solidFill>
+                <a:latin typeface="Courier New" panose="02070309020205020404" pitchFamily="49" charset="0"/>
+                <a:cs typeface="Courier New" panose="02070309020205020404" pitchFamily="49" charset="0"/>
+              </a:rPr>
+              <a:t>        null :</a:t>
+            </a:r>
+          </a:p>
+          <a:p>
+            <a:r>
+              <a:rPr lang="en-US" sz="1400" dirty="0">
+                <a:solidFill>
+                  <a:schemeClr val="bg1"/>
+                </a:solidFill>
+                <a:latin typeface="Courier New" panose="02070309020205020404" pitchFamily="49" charset="0"/>
+                <a:cs typeface="Courier New" panose="02070309020205020404" pitchFamily="49" charset="0"/>
+              </a:rPr>
+              <a:t>        { [</a:t>
+            </a:r>
+            <a:r>
+              <a:rPr lang="en-US" sz="1400" dirty="0" err="1">
+                <a:solidFill>
+                  <a:schemeClr val="bg1"/>
+                </a:solidFill>
+                <a:latin typeface="Courier New" panose="02070309020205020404" pitchFamily="49" charset="0"/>
+                <a:cs typeface="Courier New" panose="02070309020205020404" pitchFamily="49" charset="0"/>
+              </a:rPr>
+              <a:t>errorType</a:t>
+            </a:r>
+            <a:r>
+              <a:rPr lang="en-US" sz="1400" dirty="0">
+                <a:solidFill>
+                  <a:schemeClr val="bg1"/>
+                </a:solidFill>
+                <a:latin typeface="Courier New" panose="02070309020205020404" pitchFamily="49" charset="0"/>
+                <a:cs typeface="Courier New" panose="02070309020205020404" pitchFamily="49" charset="0"/>
+              </a:rPr>
+              <a:t>]: true };</a:t>
+            </a:r>
+          </a:p>
+          <a:p>
+            <a:r>
+              <a:rPr lang="en-US" sz="1400" dirty="0">
+                <a:solidFill>
+                  <a:schemeClr val="bg1"/>
+                </a:solidFill>
+                <a:latin typeface="Courier New" panose="02070309020205020404" pitchFamily="49" charset="0"/>
+                <a:cs typeface="Courier New" panose="02070309020205020404" pitchFamily="49" charset="0"/>
+              </a:rPr>
+              <a:t>  };</a:t>
+            </a:r>
+          </a:p>
+          <a:p>
+            <a:r>
+              <a:rPr lang="en-US" sz="1400" dirty="0">
+                <a:solidFill>
+                  <a:schemeClr val="bg1"/>
+                </a:solidFill>
+                <a:latin typeface="Courier New" panose="02070309020205020404" pitchFamily="49" charset="0"/>
+                <a:cs typeface="Courier New" panose="02070309020205020404" pitchFamily="49" charset="0"/>
+              </a:rPr>
+              <a:t>}</a:t>
+            </a:r>
+          </a:p>
+        </p:txBody>
+      </p:sp>
+      <p:sp>
+        <p:nvSpPr>
+          <p:cNvPr id="10" name="Footer Placeholder 1"/>
+          <p:cNvSpPr>
+            <a:spLocks noGrp="1"/>
+          </p:cNvSpPr>
+          <p:nvPr>
+            <p:ph type="ftr" sz="quarter" idx="11"/>
+          </p:nvPr>
+        </p:nvSpPr>
+        <p:spPr>
+          <a:xfrm>
+            <a:off x="70102" y="6468752"/>
+            <a:ext cx="1371600" cy="228600"/>
+          </a:xfrm>
+        </p:spPr>
+        <p:txBody>
+          <a:bodyPr/>
+          <a:lstStyle/>
+          <a:p>
+            <a:r>
+              <a:rPr lang="en-US" dirty="0"/>
+              <a:t>© Cognizant 2019</a:t>
+            </a:r>
+          </a:p>
+        </p:txBody>
+      </p:sp>
+      <p:sp>
+        <p:nvSpPr>
+          <p:cNvPr id="3" name="Slide Number Placeholder 2">
+            <a:extLst>
+              <a:ext uri="{FF2B5EF4-FFF2-40B4-BE49-F238E27FC236}">
+                <a16:creationId xmlns:a16="http://schemas.microsoft.com/office/drawing/2014/main" id="{F022661B-DD76-4607-8841-ACDE2E64A4F1}"/>
+              </a:ext>
+            </a:extLst>
+          </p:cNvPr>
+          <p:cNvSpPr>
+            <a:spLocks noGrp="1"/>
+          </p:cNvSpPr>
+          <p:nvPr>
+            <p:ph type="sldNum" sz="quarter" idx="12"/>
+          </p:nvPr>
+        </p:nvSpPr>
+        <p:spPr/>
+        <p:txBody>
+          <a:bodyPr/>
+          <a:lstStyle/>
+          <a:p>
+            <a:fld id="{BF7651F3-9913-4C8A-B499-A5DBC92BCE51}" type="slidenum">
+              <a:rPr lang="en-US" smtClean="0"/>
+              <a:t>30</a:t>
+            </a:fld>
+            <a:endParaRPr lang="en-US"/>
+          </a:p>
+        </p:txBody>
+      </p:sp>
+    </p:spTree>
+    <p:extLst>
+      <p:ext uri="{BB962C8B-B14F-4D97-AF65-F5344CB8AC3E}">
+        <p14:creationId xmlns:p14="http://schemas.microsoft.com/office/powerpoint/2010/main" val="224836199"/>
+      </p:ext>
+    </p:extLst>
+  </p:cSld>
+  <p:clrMapOvr>
+    <a:masterClrMapping/>
+  </p:clrMapOvr>
+</p:sld>
+</file>
+
+<file path=ppt/slides/slide31.xml><?xml version="1.0" encoding="utf-8"?>
 <p:sld xmlns:a="http://schemas.openxmlformats.org/drawingml/2006/main" xmlns:r="http://schemas.openxmlformats.org/officeDocument/2006/relationships" xmlns:p="http://schemas.openxmlformats.org/presentationml/2006/main">
   <p:cSld>
     <p:spTree>
@@ -15179,7 +15498,7 @@
           <a:p>
             <a:fld id="{BF7651F3-9913-4C8A-B499-A5DBC92BCE51}" type="slidenum">
               <a:rPr lang="en-US" smtClean="0"/>
-              <a:t>30</a:t>
+              <a:t>31</a:t>
             </a:fld>
             <a:endParaRPr lang="en-US"/>
           </a:p>
@@ -15198,7 +15517,7 @@
 </p:sld>
 </file>
 
-<file path=ppt/slides/slide31.xml><?xml version="1.0" encoding="utf-8"?>
+<file path=ppt/slides/slide32.xml><?xml version="1.0" encoding="utf-8"?>
 <p:sld xmlns:a="http://schemas.openxmlformats.org/drawingml/2006/main" xmlns:r="http://schemas.openxmlformats.org/officeDocument/2006/relationships" xmlns:p="http://schemas.openxmlformats.org/presentationml/2006/main">
   <p:cSld>
     <p:spTree>
@@ -15277,7 +15596,7 @@
             <a:fld id="{47ED8886-DB3B-44F4-9A80-E6A224679F20}" type="slidenum">
               <a:rPr lang="en-US" smtClean="0"/>
               <a:pPr/>
-              <a:t>31</a:t>
+              <a:t>32</a:t>
             </a:fld>
             <a:endParaRPr lang="en-US" dirty="0"/>
           </a:p>
@@ -15399,7 +15718,7 @@
 </p:sld>
 </file>
 
-<file path=ppt/slides/slide32.xml><?xml version="1.0" encoding="utf-8"?>
+<file path=ppt/slides/slide33.xml><?xml version="1.0" encoding="utf-8"?>
 <p:sld xmlns:a="http://schemas.openxmlformats.org/drawingml/2006/main" xmlns:r="http://schemas.openxmlformats.org/officeDocument/2006/relationships" xmlns:p="http://schemas.openxmlformats.org/presentationml/2006/main">
   <p:cSld>
     <p:spTree>
@@ -15543,7 +15862,7 @@
 </p:sld>
 </file>
 
-<file path=ppt/slides/slide33.xml><?xml version="1.0" encoding="utf-8"?>
+<file path=ppt/slides/slide34.xml><?xml version="1.0" encoding="utf-8"?>
 <p:sld xmlns:a="http://schemas.openxmlformats.org/drawingml/2006/main" xmlns:r="http://schemas.openxmlformats.org/officeDocument/2006/relationships" xmlns:p="http://schemas.openxmlformats.org/presentationml/2006/main">
   <p:cSld>
     <p:spTree>

--- a/Angular 8 Day 5 HttpClient, Observables, and Forms.pptx
+++ b/Angular 8 Day 5 HttpClient, Observables, and Forms.pptx
@@ -256,7 +256,7 @@
           <a:p>
             <a:fld id="{0758B6B8-5E37-4E7C-AB33-F32E298C63E8}" type="datetimeFigureOut">
               <a:rPr lang="en-US" smtClean="0"/>
-              <a:t>11/18/19</a:t>
+              <a:t>11/19/19</a:t>
             </a:fld>
             <a:endParaRPr lang="en-US"/>
           </a:p>
@@ -2007,7 +2007,7 @@
           <a:p>
             <a:fld id="{1798E078-2BD3-415D-BE9F-777E75E21E5A}" type="datetime1">
               <a:rPr lang="en-US" smtClean="0"/>
-              <a:t>11/18/19</a:t>
+              <a:t>11/19/19</a:t>
             </a:fld>
             <a:endParaRPr lang="en-US"/>
           </a:p>
@@ -2178,7 +2178,7 @@
           <a:p>
             <a:fld id="{12B1A879-46C9-48A8-B923-B4B9A1CDB5BF}" type="datetime1">
               <a:rPr lang="en-US" smtClean="0"/>
-              <a:t>11/18/19</a:t>
+              <a:t>11/19/19</a:t>
             </a:fld>
             <a:endParaRPr lang="en-US"/>
           </a:p>
@@ -2359,7 +2359,7 @@
           <a:p>
             <a:fld id="{ADEF3534-3692-4651-ADFC-51BA6A291796}" type="datetime1">
               <a:rPr lang="en-US" smtClean="0"/>
-              <a:t>11/18/19</a:t>
+              <a:t>11/19/19</a:t>
             </a:fld>
             <a:endParaRPr lang="en-US"/>
           </a:p>
@@ -4229,7 +4229,7 @@
           <a:p>
             <a:fld id="{F6C0BEFC-FC83-4D12-B214-7E0714211563}" type="datetime1">
               <a:rPr lang="en-US" smtClean="0"/>
-              <a:t>11/18/19</a:t>
+              <a:t>11/19/19</a:t>
             </a:fld>
             <a:endParaRPr lang="en-US"/>
           </a:p>
@@ -4477,7 +4477,7 @@
           <a:p>
             <a:fld id="{1E63FE6D-C872-4870-9F49-AA6610A9502B}" type="datetime1">
               <a:rPr lang="en-US" smtClean="0"/>
-              <a:t>11/18/19</a:t>
+              <a:t>11/19/19</a:t>
             </a:fld>
             <a:endParaRPr lang="en-US"/>
           </a:p>
@@ -4709,7 +4709,7 @@
           <a:p>
             <a:fld id="{A9291E4D-D67A-479F-93B0-71440B215AB8}" type="datetime1">
               <a:rPr lang="en-US" smtClean="0"/>
-              <a:t>11/18/19</a:t>
+              <a:t>11/19/19</a:t>
             </a:fld>
             <a:endParaRPr lang="en-US"/>
           </a:p>
@@ -5076,7 +5076,7 @@
           <a:p>
             <a:fld id="{6A4AC72A-7CDA-4F3F-B574-39B30C01E976}" type="datetime1">
               <a:rPr lang="en-US" smtClean="0"/>
-              <a:t>11/18/19</a:t>
+              <a:t>11/19/19</a:t>
             </a:fld>
             <a:endParaRPr lang="en-US"/>
           </a:p>
@@ -5196,7 +5196,7 @@
           <a:p>
             <a:fld id="{354A839E-0DB6-4981-9605-D06E241E8DA8}" type="datetime1">
               <a:rPr lang="en-US" smtClean="0"/>
-              <a:t>11/18/19</a:t>
+              <a:t>11/19/19</a:t>
             </a:fld>
             <a:endParaRPr lang="en-US"/>
           </a:p>
@@ -5294,7 +5294,7 @@
           <a:p>
             <a:fld id="{479DD140-6572-437F-95F2-3A536B385F6C}" type="datetime1">
               <a:rPr lang="en-US" smtClean="0"/>
-              <a:t>11/18/19</a:t>
+              <a:t>11/19/19</a:t>
             </a:fld>
             <a:endParaRPr lang="en-US"/>
           </a:p>
@@ -5572,7 +5572,7 @@
           <a:p>
             <a:fld id="{4EF8A1D0-F02D-47AD-BED2-4F51BCF3025D}" type="datetime1">
               <a:rPr lang="en-US" smtClean="0"/>
-              <a:t>11/18/19</a:t>
+              <a:t>11/19/19</a:t>
             </a:fld>
             <a:endParaRPr lang="en-US"/>
           </a:p>
@@ -5827,7 +5827,7 @@
           <a:p>
             <a:fld id="{6DAFD9E0-6EC1-4612-86B0-2E70396F8F75}" type="datetime1">
               <a:rPr lang="en-US" smtClean="0"/>
-              <a:t>11/18/19</a:t>
+              <a:t>11/19/19</a:t>
             </a:fld>
             <a:endParaRPr lang="en-US"/>
           </a:p>
@@ -6050,7 +6050,7 @@
           <a:p>
             <a:fld id="{6AB76B0F-F6CA-4449-9589-88EBDDCC8C16}" type="datetime1">
               <a:rPr lang="en-US" smtClean="0"/>
-              <a:t>11/18/19</a:t>
+              <a:t>11/19/19</a:t>
             </a:fld>
             <a:endParaRPr lang="en-US"/>
           </a:p>
@@ -10328,7 +10328,7 @@
                 <a:latin typeface="Courier New" panose="02070309020205020404" pitchFamily="49" charset="0"/>
                 <a:cs typeface="Courier New" panose="02070309020205020404" pitchFamily="49" charset="0"/>
               </a:rPr>
-              <a:t>FormGroup</a:t>
+              <a:t>FormControl</a:t>
             </a:r>
             <a:r>
               <a:rPr lang="en-US" sz="1400" dirty="0">
@@ -10338,7 +10338,7 @@
                 <a:latin typeface="Courier New" panose="02070309020205020404" pitchFamily="49" charset="0"/>
                 <a:cs typeface="Courier New" panose="02070309020205020404" pitchFamily="49" charset="0"/>
               </a:rPr>
-              <a:t>(‘’),</a:t>
+              <a:t>(''),</a:t>
             </a:r>
           </a:p>
           <a:p>
@@ -10380,7 +10380,7 @@
                 <a:latin typeface="Courier New" panose="02070309020205020404" pitchFamily="49" charset="0"/>
                 <a:cs typeface="Courier New" panose="02070309020205020404" pitchFamily="49" charset="0"/>
               </a:rPr>
-              <a:t>FormGroup</a:t>
+              <a:t>FormControl</a:t>
             </a:r>
             <a:r>
               <a:rPr lang="en-US" sz="1400" dirty="0">
@@ -10390,7 +10390,7 @@
                 <a:latin typeface="Courier New" panose="02070309020205020404" pitchFamily="49" charset="0"/>
                 <a:cs typeface="Courier New" panose="02070309020205020404" pitchFamily="49" charset="0"/>
               </a:rPr>
-              <a:t>(‘’),</a:t>
+              <a:t>(''),</a:t>
             </a:r>
           </a:p>
           <a:p>
@@ -10444,7 +10444,7 @@
                 <a:latin typeface="Courier New" panose="02070309020205020404" pitchFamily="49" charset="0"/>
                 <a:cs typeface="Courier New" panose="02070309020205020404" pitchFamily="49" charset="0"/>
               </a:rPr>
-              <a:t>FormGroup</a:t>
+              <a:t>FormControl</a:t>
             </a:r>
             <a:r>
               <a:rPr lang="en-US" sz="1400" dirty="0">
@@ -10454,7 +10454,7 @@
                 <a:latin typeface="Courier New" panose="02070309020205020404" pitchFamily="49" charset="0"/>
                 <a:cs typeface="Courier New" panose="02070309020205020404" pitchFamily="49" charset="0"/>
               </a:rPr>
-              <a:t>('',</a:t>
+              <a:t>(’’,[</a:t>
             </a:r>
             <a:r>
               <a:rPr lang="en-US" sz="1400" dirty="0" err="1">
@@ -10466,15 +10466,6 @@
               </a:rPr>
               <a:t>Validators.required</a:t>
             </a:r>
-            <a:endParaRPr lang="en-US" sz="1400" dirty="0">
-              <a:solidFill>
-                <a:schemeClr val="bg1"/>
-              </a:solidFill>
-              <a:latin typeface="Courier New" panose="02070309020205020404" pitchFamily="49" charset="0"/>
-              <a:cs typeface="Courier New" panose="02070309020205020404" pitchFamily="49" charset="0"/>
-            </a:endParaRPr>
-          </a:p>
-          <a:p>
             <a:r>
               <a:rPr lang="en-US" sz="1400" dirty="0">
                 <a:solidFill>
@@ -10483,7 +10474,19 @@
                 <a:latin typeface="Courier New" panose="02070309020205020404" pitchFamily="49" charset="0"/>
                 <a:cs typeface="Courier New" panose="02070309020205020404" pitchFamily="49" charset="0"/>
               </a:rPr>
-              <a:t>        zip: ['‘,</a:t>
+              <a:t>])</a:t>
+            </a:r>
+          </a:p>
+          <a:p>
+            <a:r>
+              <a:rPr lang="en-US" sz="1400" dirty="0">
+                <a:solidFill>
+                  <a:schemeClr val="bg1"/>
+                </a:solidFill>
+                <a:latin typeface="Courier New" panose="02070309020205020404" pitchFamily="49" charset="0"/>
+                <a:cs typeface="Courier New" panose="02070309020205020404" pitchFamily="49" charset="0"/>
+              </a:rPr>
+              <a:t>        zip: new </a:t>
             </a:r>
             <a:r>
               <a:rPr lang="en-US" sz="1400" dirty="0" err="1">
@@ -10493,6 +10496,26 @@
                 <a:latin typeface="Courier New" panose="02070309020205020404" pitchFamily="49" charset="0"/>
                 <a:cs typeface="Courier New" panose="02070309020205020404" pitchFamily="49" charset="0"/>
               </a:rPr>
+              <a:t>FormControl</a:t>
+            </a:r>
+            <a:r>
+              <a:rPr lang="en-US" sz="1400" dirty="0">
+                <a:solidFill>
+                  <a:schemeClr val="bg1"/>
+                </a:solidFill>
+                <a:latin typeface="Courier New" panose="02070309020205020404" pitchFamily="49" charset="0"/>
+                <a:cs typeface="Courier New" panose="02070309020205020404" pitchFamily="49" charset="0"/>
+              </a:rPr>
+              <a:t>(’’,[</a:t>
+            </a:r>
+            <a:r>
+              <a:rPr lang="en-US" sz="1400" dirty="0" err="1">
+                <a:solidFill>
+                  <a:schemeClr val="bg1"/>
+                </a:solidFill>
+                <a:latin typeface="Courier New" panose="02070309020205020404" pitchFamily="49" charset="0"/>
+                <a:cs typeface="Courier New" panose="02070309020205020404" pitchFamily="49" charset="0"/>
+              </a:rPr>
               <a:t>Validators.required</a:t>
             </a:r>
             <a:r>
@@ -10503,7 +10526,7 @@
                 <a:latin typeface="Courier New" panose="02070309020205020404" pitchFamily="49" charset="0"/>
                 <a:cs typeface="Courier New" panose="02070309020205020404" pitchFamily="49" charset="0"/>
               </a:rPr>
-              <a:t>]</a:t>
+              <a:t>])</a:t>
             </a:r>
           </a:p>
           <a:p>
@@ -10845,8 +10868,8 @@
         </p:nvSpPr>
         <p:spPr bwMode="auto">
           <a:xfrm>
-            <a:off x="1828800" y="828185"/>
-            <a:ext cx="8534400" cy="2131353"/>
+            <a:off x="1828800" y="1259072"/>
+            <a:ext cx="8534400" cy="1269578"/>
           </a:xfrm>
           <a:prstGeom prst="rect">
             <a:avLst/>
@@ -10903,7 +10926,7 @@
                 <a:latin typeface="Arial" panose="020B0604020202020204" pitchFamily="34" charset="0"/>
                 <a:cs typeface="Arial" panose="020B0604020202020204" pitchFamily="34" charset="0"/>
               </a:rPr>
-              <a:t>formGroupName</a:t>
+              <a:t>formControlName</a:t>
             </a:r>
             <a:r>
               <a:rPr lang="en-US" b="1" dirty="0">
@@ -10917,28 +10940,8 @@
                 <a:latin typeface="Arial" panose="020B0604020202020204" pitchFamily="34" charset="0"/>
                 <a:cs typeface="Arial" panose="020B0604020202020204" pitchFamily="34" charset="0"/>
               </a:rPr>
-              <a:t>is used to associate a group of form controls to its model. A surrounding element is needed for hosting the </a:t>
-            </a:r>
-            <a:r>
-              <a:rPr lang="en-US" dirty="0" err="1">
-                <a:latin typeface="Arial" panose="020B0604020202020204" pitchFamily="34" charset="0"/>
-                <a:cs typeface="Arial" panose="020B0604020202020204" pitchFamily="34" charset="0"/>
-              </a:rPr>
-              <a:t>formGroupName</a:t>
-            </a:r>
-            <a:r>
-              <a:rPr lang="en-US" dirty="0">
-                <a:latin typeface="Arial" panose="020B0604020202020204" pitchFamily="34" charset="0"/>
-                <a:cs typeface="Arial" panose="020B0604020202020204" pitchFamily="34" charset="0"/>
-              </a:rPr>
-              <a:t> element and grouping the form group.</a:t>
-            </a:r>
-          </a:p>
-          <a:p>
-            <a:pPr marL="342900" indent="-342900">
-              <a:buFont typeface="Arial" panose="020B0604020202020204" pitchFamily="34" charset="0"/>
-              <a:buChar char="•"/>
-            </a:pPr>
+              <a:t>is used to associate a group of form controls to its model</a:t>
+            </a:r>
             <a:endParaRPr lang="en-US" sz="2000" dirty="0"/>
           </a:p>
           <a:p>
@@ -11019,27 +11022,7 @@
                 <a:latin typeface="Courier New" panose="02070309020205020404" pitchFamily="49" charset="0"/>
                 <a:cs typeface="Courier New" panose="02070309020205020404" pitchFamily="49" charset="0"/>
               </a:rPr>
-              <a:t> </a:t>
-            </a:r>
-            <a:r>
-              <a:rPr lang="en-US" sz="1400" dirty="0" err="1">
-                <a:solidFill>
-                  <a:schemeClr val="bg1"/>
-                </a:solidFill>
-                <a:latin typeface="Courier New" panose="02070309020205020404" pitchFamily="49" charset="0"/>
-                <a:cs typeface="Courier New" panose="02070309020205020404" pitchFamily="49" charset="0"/>
-              </a:rPr>
-              <a:t>formGroupName</a:t>
-            </a:r>
-            <a:r>
-              <a:rPr lang="en-US" sz="1400" dirty="0">
-                <a:solidFill>
-                  <a:schemeClr val="bg1"/>
-                </a:solidFill>
-                <a:latin typeface="Courier New" panose="02070309020205020404" pitchFamily="49" charset="0"/>
-                <a:cs typeface="Courier New" panose="02070309020205020404" pitchFamily="49" charset="0"/>
-              </a:rPr>
-              <a:t>="address"&gt;</a:t>
+              <a:t>&gt;</a:t>
             </a:r>
           </a:p>
           <a:p>
@@ -18453,6 +18436,15 @@
 </file>
 
 <file path=customXml/item1.xml><?xml version="1.0" encoding="utf-8"?>
+<?mso-contentType ?>
+<FormTemplates xmlns="http://schemas.microsoft.com/sharepoint/v3/contenttype/forms">
+  <Display>DocumentLibraryForm</Display>
+  <Edit>DocumentLibraryForm</Edit>
+  <New>DocumentLibraryForm</New>
+</FormTemplates>
+</file>
+
+<file path=customXml/item2.xml><?xml version="1.0" encoding="utf-8"?>
 <ct:contentTypeSchema xmlns:ct="http://schemas.microsoft.com/office/2006/metadata/contentType" xmlns:ma="http://schemas.microsoft.com/office/2006/metadata/properties/metaAttributes" ct:_="" ma:_="" ma:contentTypeName="Document" ma:contentTypeID="0x010100348CA4AA68F5A649B6FC2B4481499820" ma:contentTypeVersion="0" ma:contentTypeDescription="Create a new document." ma:contentTypeScope="" ma:versionID="b9f06d6c5e6413d5718fbf4634c1f44f">
   <xsd:schema xmlns:xsd="http://www.w3.org/2001/XMLSchema" xmlns:xs="http://www.w3.org/2001/XMLSchema" xmlns:p="http://schemas.microsoft.com/office/2006/metadata/properties" targetNamespace="http://schemas.microsoft.com/office/2006/metadata/properties" ma:root="true" ma:fieldsID="c64490b4aec6201516c3a874156f37b2">
     <xsd:element name="properties">
@@ -18566,15 +18558,6 @@
 </ct:contentTypeSchema>
 </file>
 
-<file path=customXml/item2.xml><?xml version="1.0" encoding="utf-8"?>
-<?mso-contentType ?>
-<FormTemplates xmlns="http://schemas.microsoft.com/sharepoint/v3/contenttype/forms">
-  <Display>DocumentLibraryForm</Display>
-  <Edit>DocumentLibraryForm</Edit>
-  <New>DocumentLibraryForm</New>
-</FormTemplates>
-</file>
-
 <file path=customXml/item3.xml><?xml version="1.0" encoding="utf-8"?>
 <p:properties xmlns:p="http://schemas.microsoft.com/office/2006/metadata/properties" xmlns:xsi="http://www.w3.org/2001/XMLSchema-instance" xmlns:pc="http://schemas.microsoft.com/office/infopath/2007/PartnerControls">
   <documentManagement/>
@@ -18582,6 +18565,14 @@
 </file>
 
 <file path=customXml/itemProps1.xml><?xml version="1.0" encoding="utf-8"?>
+<ds:datastoreItem xmlns:ds="http://schemas.openxmlformats.org/officeDocument/2006/customXml" ds:itemID="{96723B47-CC77-45B9-8309-370ABF039271}">
+  <ds:schemaRefs>
+    <ds:schemaRef ds:uri="http://schemas.microsoft.com/sharepoint/v3/contenttype/forms"/>
+  </ds:schemaRefs>
+</ds:datastoreItem>
+</file>
+
+<file path=customXml/itemProps2.xml><?xml version="1.0" encoding="utf-8"?>
 <ds:datastoreItem xmlns:ds="http://schemas.openxmlformats.org/officeDocument/2006/customXml" ds:itemID="{A1692BF7-4A9A-42A6-931B-8C4B4B41826D}">
   <ds:schemaRefs>
     <ds:schemaRef ds:uri="http://schemas.microsoft.com/office/2006/metadata/contentType"/>
@@ -18593,14 +18584,6 @@
     <ds:schemaRef ds:uri="http://purl.org/dc/terms/"/>
     <ds:schemaRef ds:uri="http://schemas.microsoft.com/internal/obd"/>
     <ds:schemaRef ds:uri="http://schemas.microsoft.com/office/infopath/2007/PartnerControls"/>
-  </ds:schemaRefs>
-</ds:datastoreItem>
-</file>
-
-<file path=customXml/itemProps2.xml><?xml version="1.0" encoding="utf-8"?>
-<ds:datastoreItem xmlns:ds="http://schemas.openxmlformats.org/officeDocument/2006/customXml" ds:itemID="{96723B47-CC77-45B9-8309-370ABF039271}">
-  <ds:schemaRefs>
-    <ds:schemaRef ds:uri="http://schemas.microsoft.com/sharepoint/v3/contenttype/forms"/>
   </ds:schemaRefs>
 </ds:datastoreItem>
 </file>
